--- a/Project/Context/EduPhysics.context.pptx
+++ b/Project/Context/EduPhysics.context.pptx
@@ -4,6 +4,9 @@
   <p:sldMasterIdLst>
     <p:sldMasterId id="2147483678" r:id="rId1"/>
   </p:sldMasterIdLst>
+  <p:notesMasterIdLst>
+    <p:notesMasterId r:id="rId11"/>
+  </p:notesMasterIdLst>
   <p:sldIdLst>
     <p:sldId id="256" r:id="rId2"/>
     <p:sldId id="262" r:id="rId3"/>
@@ -12,6 +15,8 @@
     <p:sldId id="259" r:id="rId6"/>
     <p:sldId id="260" r:id="rId7"/>
     <p:sldId id="261" r:id="rId8"/>
+    <p:sldId id="263" r:id="rId9"/>
+    <p:sldId id="264" r:id="rId10"/>
   </p:sldIdLst>
   <p:sldSz cx="12192000" cy="6858000"/>
   <p:notesSz cx="6858000" cy="9144000"/>
@@ -118,6 +123,444 @@
 </p:presentation>
 </file>
 
+<file path=ppt/notesMasters/notesMaster1.xml><?xml version="1.0" encoding="utf-8"?>
+<p:notesMaster xmlns:a="http://schemas.openxmlformats.org/drawingml/2006/main" xmlns:r="http://schemas.openxmlformats.org/officeDocument/2006/relationships" xmlns:p="http://schemas.openxmlformats.org/presentationml/2006/main">
+  <p:cSld>
+    <p:bg>
+      <p:bgRef idx="1001">
+        <a:schemeClr val="bg1"/>
+      </p:bgRef>
+    </p:bg>
+    <p:spTree>
+      <p:nvGrpSpPr>
+        <p:cNvPr id="1" name=""/>
+        <p:cNvGrpSpPr/>
+        <p:nvPr/>
+      </p:nvGrpSpPr>
+      <p:grpSpPr>
+        <a:xfrm>
+          <a:off x="0" y="0"/>
+          <a:ext cx="0" cy="0"/>
+          <a:chOff x="0" y="0"/>
+          <a:chExt cx="0" cy="0"/>
+        </a:xfrm>
+      </p:grpSpPr>
+      <p:sp>
+        <p:nvSpPr>
+          <p:cNvPr id="2" name="Marcador de encabezado 1"/>
+          <p:cNvSpPr>
+            <a:spLocks noGrp="1"/>
+          </p:cNvSpPr>
+          <p:nvPr>
+            <p:ph type="hdr" sz="quarter"/>
+          </p:nvPr>
+        </p:nvSpPr>
+        <p:spPr>
+          <a:xfrm>
+            <a:off x="0" y="0"/>
+            <a:ext cx="2971800" cy="458788"/>
+          </a:xfrm>
+          <a:prstGeom prst="rect">
+            <a:avLst/>
+          </a:prstGeom>
+        </p:spPr>
+        <p:txBody>
+          <a:bodyPr vert="horz" lIns="91440" tIns="45720" rIns="91440" bIns="45720" rtlCol="0"/>
+          <a:lstStyle>
+            <a:lvl1pPr algn="l">
+              <a:defRPr sz="1200"/>
+            </a:lvl1pPr>
+          </a:lstStyle>
+          <a:p>
+            <a:endParaRPr lang="es-CO"/>
+          </a:p>
+        </p:txBody>
+      </p:sp>
+      <p:sp>
+        <p:nvSpPr>
+          <p:cNvPr id="3" name="Marcador de fecha 2"/>
+          <p:cNvSpPr>
+            <a:spLocks noGrp="1"/>
+          </p:cNvSpPr>
+          <p:nvPr>
+            <p:ph type="dt" idx="1"/>
+          </p:nvPr>
+        </p:nvSpPr>
+        <p:spPr>
+          <a:xfrm>
+            <a:off x="3884613" y="0"/>
+            <a:ext cx="2971800" cy="458788"/>
+          </a:xfrm>
+          <a:prstGeom prst="rect">
+            <a:avLst/>
+          </a:prstGeom>
+        </p:spPr>
+        <p:txBody>
+          <a:bodyPr vert="horz" lIns="91440" tIns="45720" rIns="91440" bIns="45720" rtlCol="0"/>
+          <a:lstStyle>
+            <a:lvl1pPr algn="r">
+              <a:defRPr sz="1200"/>
+            </a:lvl1pPr>
+          </a:lstStyle>
+          <a:p>
+            <a:fld id="{3FCCE96D-F9F3-4EC1-AC75-FBE7AE81C043}" type="datetimeFigureOut">
+              <a:rPr lang="es-CO" smtClean="0"/>
+              <a:t>9/04/2025</a:t>
+            </a:fld>
+            <a:endParaRPr lang="es-CO"/>
+          </a:p>
+        </p:txBody>
+      </p:sp>
+      <p:sp>
+        <p:nvSpPr>
+          <p:cNvPr id="4" name="Marcador de imagen de diapositiva 3"/>
+          <p:cNvSpPr>
+            <a:spLocks noGrp="1" noRot="1" noChangeAspect="1"/>
+          </p:cNvSpPr>
+          <p:nvPr>
+            <p:ph type="sldImg" idx="2"/>
+          </p:nvPr>
+        </p:nvSpPr>
+        <p:spPr>
+          <a:xfrm>
+            <a:off x="685800" y="1143000"/>
+            <a:ext cx="5486400" cy="3086100"/>
+          </a:xfrm>
+          <a:prstGeom prst="rect">
+            <a:avLst/>
+          </a:prstGeom>
+          <a:noFill/>
+          <a:ln w="12700">
+            <a:solidFill>
+              <a:prstClr val="black"/>
+            </a:solidFill>
+          </a:ln>
+        </p:spPr>
+        <p:txBody>
+          <a:bodyPr vert="horz" lIns="91440" tIns="45720" rIns="91440" bIns="45720" rtlCol="0" anchor="ctr"/>
+          <a:lstStyle/>
+          <a:p>
+            <a:endParaRPr lang="es-CO"/>
+          </a:p>
+        </p:txBody>
+      </p:sp>
+      <p:sp>
+        <p:nvSpPr>
+          <p:cNvPr id="5" name="Marcador de notas 4"/>
+          <p:cNvSpPr>
+            <a:spLocks noGrp="1"/>
+          </p:cNvSpPr>
+          <p:nvPr>
+            <p:ph type="body" sz="quarter" idx="3"/>
+          </p:nvPr>
+        </p:nvSpPr>
+        <p:spPr>
+          <a:xfrm>
+            <a:off x="685800" y="4400550"/>
+            <a:ext cx="5486400" cy="3600450"/>
+          </a:xfrm>
+          <a:prstGeom prst="rect">
+            <a:avLst/>
+          </a:prstGeom>
+        </p:spPr>
+        <p:txBody>
+          <a:bodyPr vert="horz" lIns="91440" tIns="45720" rIns="91440" bIns="45720" rtlCol="0"/>
+          <a:lstStyle/>
+          <a:p>
+            <a:pPr lvl="0"/>
+            <a:r>
+              <a:rPr lang="es-ES"/>
+              <a:t>Haga clic para modificar los estilos de texto del patrón</a:t>
+            </a:r>
+          </a:p>
+          <a:p>
+            <a:pPr lvl="1"/>
+            <a:r>
+              <a:rPr lang="es-ES"/>
+              <a:t>Segundo nivel</a:t>
+            </a:r>
+          </a:p>
+          <a:p>
+            <a:pPr lvl="2"/>
+            <a:r>
+              <a:rPr lang="es-ES"/>
+              <a:t>Tercer nivel</a:t>
+            </a:r>
+          </a:p>
+          <a:p>
+            <a:pPr lvl="3"/>
+            <a:r>
+              <a:rPr lang="es-ES"/>
+              <a:t>Cuarto nivel</a:t>
+            </a:r>
+          </a:p>
+          <a:p>
+            <a:pPr lvl="4"/>
+            <a:r>
+              <a:rPr lang="es-ES"/>
+              <a:t>Quinto nivel</a:t>
+            </a:r>
+            <a:endParaRPr lang="es-CO"/>
+          </a:p>
+        </p:txBody>
+      </p:sp>
+      <p:sp>
+        <p:nvSpPr>
+          <p:cNvPr id="6" name="Marcador de pie de página 5"/>
+          <p:cNvSpPr>
+            <a:spLocks noGrp="1"/>
+          </p:cNvSpPr>
+          <p:nvPr>
+            <p:ph type="ftr" sz="quarter" idx="4"/>
+          </p:nvPr>
+        </p:nvSpPr>
+        <p:spPr>
+          <a:xfrm>
+            <a:off x="0" y="8685213"/>
+            <a:ext cx="2971800" cy="458787"/>
+          </a:xfrm>
+          <a:prstGeom prst="rect">
+            <a:avLst/>
+          </a:prstGeom>
+        </p:spPr>
+        <p:txBody>
+          <a:bodyPr vert="horz" lIns="91440" tIns="45720" rIns="91440" bIns="45720" rtlCol="0" anchor="b"/>
+          <a:lstStyle>
+            <a:lvl1pPr algn="l">
+              <a:defRPr sz="1200"/>
+            </a:lvl1pPr>
+          </a:lstStyle>
+          <a:p>
+            <a:endParaRPr lang="es-CO"/>
+          </a:p>
+        </p:txBody>
+      </p:sp>
+      <p:sp>
+        <p:nvSpPr>
+          <p:cNvPr id="7" name="Marcador de número de diapositiva 6"/>
+          <p:cNvSpPr>
+            <a:spLocks noGrp="1"/>
+          </p:cNvSpPr>
+          <p:nvPr>
+            <p:ph type="sldNum" sz="quarter" idx="5"/>
+          </p:nvPr>
+        </p:nvSpPr>
+        <p:spPr>
+          <a:xfrm>
+            <a:off x="3884613" y="8685213"/>
+            <a:ext cx="2971800" cy="458787"/>
+          </a:xfrm>
+          <a:prstGeom prst="rect">
+            <a:avLst/>
+          </a:prstGeom>
+        </p:spPr>
+        <p:txBody>
+          <a:bodyPr vert="horz" lIns="91440" tIns="45720" rIns="91440" bIns="45720" rtlCol="0" anchor="b"/>
+          <a:lstStyle>
+            <a:lvl1pPr algn="r">
+              <a:defRPr sz="1200"/>
+            </a:lvl1pPr>
+          </a:lstStyle>
+          <a:p>
+            <a:fld id="{0087C364-6BB2-445E-86ED-948AAB696ED7}" type="slidenum">
+              <a:rPr lang="es-CO" smtClean="0"/>
+              <a:t>‹Nº›</a:t>
+            </a:fld>
+            <a:endParaRPr lang="es-CO"/>
+          </a:p>
+        </p:txBody>
+      </p:sp>
+    </p:spTree>
+    <p:extLst>
+      <p:ext uri="{BB962C8B-B14F-4D97-AF65-F5344CB8AC3E}">
+        <p14:creationId xmlns:p14="http://schemas.microsoft.com/office/powerpoint/2010/main" val="1471266182"/>
+      </p:ext>
+    </p:extLst>
+  </p:cSld>
+  <p:clrMap bg1="lt1" tx1="dk1" bg2="lt2" tx2="dk2" accent1="accent1" accent2="accent2" accent3="accent3" accent4="accent4" accent5="accent5" accent6="accent6" hlink="hlink" folHlink="folHlink"/>
+  <p:notesStyle>
+    <a:lvl1pPr marL="0" algn="l" defTabSz="914400" rtl="0" eaLnBrk="1" latinLnBrk="0" hangingPunct="1">
+      <a:defRPr sz="1200" kern="1200">
+        <a:solidFill>
+          <a:schemeClr val="tx1"/>
+        </a:solidFill>
+        <a:latin typeface="+mn-lt"/>
+        <a:ea typeface="+mn-ea"/>
+        <a:cs typeface="+mn-cs"/>
+      </a:defRPr>
+    </a:lvl1pPr>
+    <a:lvl2pPr marL="457200" algn="l" defTabSz="914400" rtl="0" eaLnBrk="1" latinLnBrk="0" hangingPunct="1">
+      <a:defRPr sz="1200" kern="1200">
+        <a:solidFill>
+          <a:schemeClr val="tx1"/>
+        </a:solidFill>
+        <a:latin typeface="+mn-lt"/>
+        <a:ea typeface="+mn-ea"/>
+        <a:cs typeface="+mn-cs"/>
+      </a:defRPr>
+    </a:lvl2pPr>
+    <a:lvl3pPr marL="914400" algn="l" defTabSz="914400" rtl="0" eaLnBrk="1" latinLnBrk="0" hangingPunct="1">
+      <a:defRPr sz="1200" kern="1200">
+        <a:solidFill>
+          <a:schemeClr val="tx1"/>
+        </a:solidFill>
+        <a:latin typeface="+mn-lt"/>
+        <a:ea typeface="+mn-ea"/>
+        <a:cs typeface="+mn-cs"/>
+      </a:defRPr>
+    </a:lvl3pPr>
+    <a:lvl4pPr marL="1371600" algn="l" defTabSz="914400" rtl="0" eaLnBrk="1" latinLnBrk="0" hangingPunct="1">
+      <a:defRPr sz="1200" kern="1200">
+        <a:solidFill>
+          <a:schemeClr val="tx1"/>
+        </a:solidFill>
+        <a:latin typeface="+mn-lt"/>
+        <a:ea typeface="+mn-ea"/>
+        <a:cs typeface="+mn-cs"/>
+      </a:defRPr>
+    </a:lvl4pPr>
+    <a:lvl5pPr marL="1828800" algn="l" defTabSz="914400" rtl="0" eaLnBrk="1" latinLnBrk="0" hangingPunct="1">
+      <a:defRPr sz="1200" kern="1200">
+        <a:solidFill>
+          <a:schemeClr val="tx1"/>
+        </a:solidFill>
+        <a:latin typeface="+mn-lt"/>
+        <a:ea typeface="+mn-ea"/>
+        <a:cs typeface="+mn-cs"/>
+      </a:defRPr>
+    </a:lvl5pPr>
+    <a:lvl6pPr marL="2286000" algn="l" defTabSz="914400" rtl="0" eaLnBrk="1" latinLnBrk="0" hangingPunct="1">
+      <a:defRPr sz="1200" kern="1200">
+        <a:solidFill>
+          <a:schemeClr val="tx1"/>
+        </a:solidFill>
+        <a:latin typeface="+mn-lt"/>
+        <a:ea typeface="+mn-ea"/>
+        <a:cs typeface="+mn-cs"/>
+      </a:defRPr>
+    </a:lvl6pPr>
+    <a:lvl7pPr marL="2743200" algn="l" defTabSz="914400" rtl="0" eaLnBrk="1" latinLnBrk="0" hangingPunct="1">
+      <a:defRPr sz="1200" kern="1200">
+        <a:solidFill>
+          <a:schemeClr val="tx1"/>
+        </a:solidFill>
+        <a:latin typeface="+mn-lt"/>
+        <a:ea typeface="+mn-ea"/>
+        <a:cs typeface="+mn-cs"/>
+      </a:defRPr>
+    </a:lvl7pPr>
+    <a:lvl8pPr marL="3200400" algn="l" defTabSz="914400" rtl="0" eaLnBrk="1" latinLnBrk="0" hangingPunct="1">
+      <a:defRPr sz="1200" kern="1200">
+        <a:solidFill>
+          <a:schemeClr val="tx1"/>
+        </a:solidFill>
+        <a:latin typeface="+mn-lt"/>
+        <a:ea typeface="+mn-ea"/>
+        <a:cs typeface="+mn-cs"/>
+      </a:defRPr>
+    </a:lvl8pPr>
+    <a:lvl9pPr marL="3657600" algn="l" defTabSz="914400" rtl="0" eaLnBrk="1" latinLnBrk="0" hangingPunct="1">
+      <a:defRPr sz="1200" kern="1200">
+        <a:solidFill>
+          <a:schemeClr val="tx1"/>
+        </a:solidFill>
+        <a:latin typeface="+mn-lt"/>
+        <a:ea typeface="+mn-ea"/>
+        <a:cs typeface="+mn-cs"/>
+      </a:defRPr>
+    </a:lvl9pPr>
+  </p:notesStyle>
+</p:notesMaster>
+</file>
+
+<file path=ppt/notesSlides/notesSlide1.xml><?xml version="1.0" encoding="utf-8"?>
+<p:notes xmlns:a="http://schemas.openxmlformats.org/drawingml/2006/main" xmlns:r="http://schemas.openxmlformats.org/officeDocument/2006/relationships" xmlns:p="http://schemas.openxmlformats.org/presentationml/2006/main">
+  <p:cSld>
+    <p:spTree>
+      <p:nvGrpSpPr>
+        <p:cNvPr id="1" name=""/>
+        <p:cNvGrpSpPr/>
+        <p:nvPr/>
+      </p:nvGrpSpPr>
+      <p:grpSpPr>
+        <a:xfrm>
+          <a:off x="0" y="0"/>
+          <a:ext cx="0" cy="0"/>
+          <a:chOff x="0" y="0"/>
+          <a:chExt cx="0" cy="0"/>
+        </a:xfrm>
+      </p:grpSpPr>
+      <p:sp>
+        <p:nvSpPr>
+          <p:cNvPr id="2" name="Marcador de imagen de diapositiva 1"/>
+          <p:cNvSpPr>
+            <a:spLocks noGrp="1" noRot="1" noChangeAspect="1"/>
+          </p:cNvSpPr>
+          <p:nvPr>
+            <p:ph type="sldImg"/>
+          </p:nvPr>
+        </p:nvSpPr>
+        <p:spPr/>
+      </p:sp>
+      <p:sp>
+        <p:nvSpPr>
+          <p:cNvPr id="3" name="Marcador de notas 2"/>
+          <p:cNvSpPr>
+            <a:spLocks noGrp="1"/>
+          </p:cNvSpPr>
+          <p:nvPr>
+            <p:ph type="body" idx="1"/>
+          </p:nvPr>
+        </p:nvSpPr>
+        <p:spPr/>
+        <p:txBody>
+          <a:bodyPr/>
+          <a:lstStyle/>
+          <a:p>
+            <a:r>
+              <a:rPr lang="es-MX" dirty="0"/>
+              <a:t> </a:t>
+            </a:r>
+            <a:endParaRPr lang="es-CO" dirty="0"/>
+          </a:p>
+        </p:txBody>
+      </p:sp>
+      <p:sp>
+        <p:nvSpPr>
+          <p:cNvPr id="4" name="Marcador de número de diapositiva 3"/>
+          <p:cNvSpPr>
+            <a:spLocks noGrp="1"/>
+          </p:cNvSpPr>
+          <p:nvPr>
+            <p:ph type="sldNum" sz="quarter" idx="5"/>
+          </p:nvPr>
+        </p:nvSpPr>
+        <p:spPr/>
+        <p:txBody>
+          <a:bodyPr/>
+          <a:lstStyle/>
+          <a:p>
+            <a:fld id="{0087C364-6BB2-445E-86ED-948AAB696ED7}" type="slidenum">
+              <a:rPr lang="es-CO" smtClean="0"/>
+              <a:t>8</a:t>
+            </a:fld>
+            <a:endParaRPr lang="es-CO"/>
+          </a:p>
+        </p:txBody>
+      </p:sp>
+    </p:spTree>
+    <p:extLst>
+      <p:ext uri="{BB962C8B-B14F-4D97-AF65-F5344CB8AC3E}">
+        <p14:creationId xmlns:p14="http://schemas.microsoft.com/office/powerpoint/2010/main" val="2311360466"/>
+      </p:ext>
+    </p:extLst>
+  </p:cSld>
+  <p:clrMapOvr>
+    <a:masterClrMapping/>
+  </p:clrMapOvr>
+</p:notes>
+</file>
+
 <file path=ppt/slideLayouts/slideLayout1.xml><?xml version="1.0" encoding="utf-8"?>
 <p:sldLayout xmlns:a="http://schemas.openxmlformats.org/drawingml/2006/main" xmlns:r="http://schemas.openxmlformats.org/officeDocument/2006/relationships" xmlns:p="http://schemas.openxmlformats.org/presentationml/2006/main" type="title" preserve="1">
   <p:cSld name="Diapositiva de título">
@@ -301,7 +744,7 @@
           <a:p>
             <a:fld id="{0E8CBAC6-1053-4354-85E8-8FD7E64E1195}" type="datetimeFigureOut">
               <a:rPr lang="es-CO" smtClean="0"/>
-              <a:t>2/04/2025</a:t>
+              <a:t>9/04/2025</a:t>
             </a:fld>
             <a:endParaRPr lang="es-CO"/>
           </a:p>
@@ -576,7 +1019,7 @@
           <a:p>
             <a:fld id="{0E8CBAC6-1053-4354-85E8-8FD7E64E1195}" type="datetimeFigureOut">
               <a:rPr lang="es-CO" smtClean="0"/>
-              <a:t>2/04/2025</a:t>
+              <a:t>9/04/2025</a:t>
             </a:fld>
             <a:endParaRPr lang="es-CO"/>
           </a:p>
@@ -770,7 +1213,7 @@
           <a:p>
             <a:fld id="{0E8CBAC6-1053-4354-85E8-8FD7E64E1195}" type="datetimeFigureOut">
               <a:rPr lang="es-CO" smtClean="0"/>
-              <a:t>2/04/2025</a:t>
+              <a:t>9/04/2025</a:t>
             </a:fld>
             <a:endParaRPr lang="es-CO"/>
           </a:p>
@@ -1038,7 +1481,7 @@
           <a:p>
             <a:fld id="{0E8CBAC6-1053-4354-85E8-8FD7E64E1195}" type="datetimeFigureOut">
               <a:rPr lang="es-CO" smtClean="0"/>
-              <a:t>2/04/2025</a:t>
+              <a:t>9/04/2025</a:t>
             </a:fld>
             <a:endParaRPr lang="es-CO"/>
           </a:p>
@@ -1370,7 +1813,7 @@
           <a:p>
             <a:fld id="{0E8CBAC6-1053-4354-85E8-8FD7E64E1195}" type="datetimeFigureOut">
               <a:rPr lang="es-CO" smtClean="0"/>
-              <a:t>2/04/2025</a:t>
+              <a:t>9/04/2025</a:t>
             </a:fld>
             <a:endParaRPr lang="es-CO"/>
           </a:p>
@@ -1980,7 +2423,7 @@
           <a:p>
             <a:fld id="{0E8CBAC6-1053-4354-85E8-8FD7E64E1195}" type="datetimeFigureOut">
               <a:rPr lang="es-CO" smtClean="0"/>
-              <a:t>2/04/2025</a:t>
+              <a:t>9/04/2025</a:t>
             </a:fld>
             <a:endParaRPr lang="es-CO"/>
           </a:p>
@@ -2827,7 +3270,7 @@
           <a:p>
             <a:fld id="{0E8CBAC6-1053-4354-85E8-8FD7E64E1195}" type="datetimeFigureOut">
               <a:rPr lang="es-CO" smtClean="0"/>
-              <a:t>2/04/2025</a:t>
+              <a:t>9/04/2025</a:t>
             </a:fld>
             <a:endParaRPr lang="es-CO"/>
           </a:p>
@@ -2997,7 +3440,7 @@
           <a:p>
             <a:fld id="{0E8CBAC6-1053-4354-85E8-8FD7E64E1195}" type="datetimeFigureOut">
               <a:rPr lang="es-CO" smtClean="0"/>
-              <a:t>2/04/2025</a:t>
+              <a:t>9/04/2025</a:t>
             </a:fld>
             <a:endParaRPr lang="es-CO"/>
           </a:p>
@@ -3177,7 +3620,7 @@
           <a:p>
             <a:fld id="{0E8CBAC6-1053-4354-85E8-8FD7E64E1195}" type="datetimeFigureOut">
               <a:rPr lang="es-CO" smtClean="0"/>
-              <a:t>2/04/2025</a:t>
+              <a:t>9/04/2025</a:t>
             </a:fld>
             <a:endParaRPr lang="es-CO"/>
           </a:p>
@@ -3347,7 +3790,7 @@
           <a:p>
             <a:fld id="{0E8CBAC6-1053-4354-85E8-8FD7E64E1195}" type="datetimeFigureOut">
               <a:rPr lang="es-CO" smtClean="0"/>
-              <a:t>2/04/2025</a:t>
+              <a:t>9/04/2025</a:t>
             </a:fld>
             <a:endParaRPr lang="es-CO"/>
           </a:p>
@@ -3591,7 +4034,7 @@
           <a:p>
             <a:fld id="{0E8CBAC6-1053-4354-85E8-8FD7E64E1195}" type="datetimeFigureOut">
               <a:rPr lang="es-CO" smtClean="0"/>
-              <a:t>2/04/2025</a:t>
+              <a:t>9/04/2025</a:t>
             </a:fld>
             <a:endParaRPr lang="es-CO"/>
           </a:p>
@@ -3883,7 +4326,7 @@
           <a:p>
             <a:fld id="{0E8CBAC6-1053-4354-85E8-8FD7E64E1195}" type="datetimeFigureOut">
               <a:rPr lang="es-CO" smtClean="0"/>
-              <a:t>2/04/2025</a:t>
+              <a:t>9/04/2025</a:t>
             </a:fld>
             <a:endParaRPr lang="es-CO"/>
           </a:p>
@@ -4321,7 +4764,7 @@
           <a:p>
             <a:fld id="{0E8CBAC6-1053-4354-85E8-8FD7E64E1195}" type="datetimeFigureOut">
               <a:rPr lang="es-CO" smtClean="0"/>
-              <a:t>2/04/2025</a:t>
+              <a:t>9/04/2025</a:t>
             </a:fld>
             <a:endParaRPr lang="es-CO"/>
           </a:p>
@@ -4439,7 +4882,7 @@
           <a:p>
             <a:fld id="{0E8CBAC6-1053-4354-85E8-8FD7E64E1195}" type="datetimeFigureOut">
               <a:rPr lang="es-CO" smtClean="0"/>
-              <a:t>2/04/2025</a:t>
+              <a:t>9/04/2025</a:t>
             </a:fld>
             <a:endParaRPr lang="es-CO"/>
           </a:p>
@@ -4534,7 +4977,7 @@
           <a:p>
             <a:fld id="{0E8CBAC6-1053-4354-85E8-8FD7E64E1195}" type="datetimeFigureOut">
               <a:rPr lang="es-CO" smtClean="0"/>
-              <a:t>2/04/2025</a:t>
+              <a:t>9/04/2025</a:t>
             </a:fld>
             <a:endParaRPr lang="es-CO"/>
           </a:p>
@@ -4813,7 +5256,7 @@
           <a:p>
             <a:fld id="{0E8CBAC6-1053-4354-85E8-8FD7E64E1195}" type="datetimeFigureOut">
               <a:rPr lang="es-CO" smtClean="0"/>
-              <a:t>2/04/2025</a:t>
+              <a:t>9/04/2025</a:t>
             </a:fld>
             <a:endParaRPr lang="es-CO"/>
           </a:p>
@@ -5088,7 +5531,7 @@
           <a:p>
             <a:fld id="{0E8CBAC6-1053-4354-85E8-8FD7E64E1195}" type="datetimeFigureOut">
               <a:rPr lang="es-CO" smtClean="0"/>
-              <a:t>2/04/2025</a:t>
+              <a:t>9/04/2025</a:t>
             </a:fld>
             <a:endParaRPr lang="es-CO"/>
           </a:p>
@@ -5517,7 +5960,7 @@
           <a:p>
             <a:fld id="{0E8CBAC6-1053-4354-85E8-8FD7E64E1195}" type="datetimeFigureOut">
               <a:rPr lang="es-CO" smtClean="0"/>
-              <a:t>2/04/2025</a:t>
+              <a:t>9/04/2025</a:t>
             </a:fld>
             <a:endParaRPr lang="es-CO"/>
           </a:p>
@@ -6181,6 +6624,19 @@
             </a:r>
           </a:p>
           <a:p>
+            <a:r>
+              <a:rPr lang="es-MX" dirty="0"/>
+              <a:t>Atributos de calidad </a:t>
+            </a:r>
+          </a:p>
+          <a:p>
+            <a:r>
+              <a:rPr lang="es-MX"/>
+              <a:t>Ponderación </a:t>
+            </a:r>
+            <a:endParaRPr lang="es-MX" dirty="0"/>
+          </a:p>
+          <a:p>
             <a:endParaRPr lang="es-CO" dirty="0"/>
           </a:p>
         </p:txBody>
@@ -7058,7 +7514,7 @@
         </p:nvGraphicFramePr>
         <p:xfrm>
           <a:off x="838199" y="1690688"/>
-          <a:ext cx="10515600" cy="4211320"/>
+          <a:ext cx="10515600" cy="4485640"/>
         </p:xfrm>
         <a:graphic>
           <a:graphicData uri="http://schemas.openxmlformats.org/drawingml/2006/table">
@@ -7479,7 +7935,7 @@
         </p:nvGraphicFramePr>
         <p:xfrm>
           <a:off x="838199" y="1690688"/>
-          <a:ext cx="10515600" cy="2748280"/>
+          <a:ext cx="10515600" cy="3022600"/>
         </p:xfrm>
         <a:graphic>
           <a:graphicData uri="http://schemas.openxmlformats.org/drawingml/2006/table">
@@ -7763,6 +8219,1200 @@
     <p:extLst>
       <p:ext uri="{BB962C8B-B14F-4D97-AF65-F5344CB8AC3E}">
         <p14:creationId xmlns:p14="http://schemas.microsoft.com/office/powerpoint/2010/main" val="1189077408"/>
+      </p:ext>
+    </p:extLst>
+  </p:cSld>
+  <p:clrMapOvr>
+    <a:masterClrMapping/>
+  </p:clrMapOvr>
+</p:sld>
+</file>
+
+<file path=ppt/slides/slide8.xml><?xml version="1.0" encoding="utf-8"?>
+<p:sld xmlns:a="http://schemas.openxmlformats.org/drawingml/2006/main" xmlns:r="http://schemas.openxmlformats.org/officeDocument/2006/relationships" xmlns:p="http://schemas.openxmlformats.org/presentationml/2006/main">
+  <p:cSld>
+    <p:spTree>
+      <p:nvGrpSpPr>
+        <p:cNvPr id="1" name=""/>
+        <p:cNvGrpSpPr/>
+        <p:nvPr/>
+      </p:nvGrpSpPr>
+      <p:grpSpPr>
+        <a:xfrm>
+          <a:off x="0" y="0"/>
+          <a:ext cx="0" cy="0"/>
+          <a:chOff x="0" y="0"/>
+          <a:chExt cx="0" cy="0"/>
+        </a:xfrm>
+      </p:grpSpPr>
+      <p:sp>
+        <p:nvSpPr>
+          <p:cNvPr id="2" name="Título 1">
+            <a:extLst>
+              <a:ext uri="{FF2B5EF4-FFF2-40B4-BE49-F238E27FC236}">
+                <a16:creationId xmlns:a16="http://schemas.microsoft.com/office/drawing/2014/main" id="{4B13CDEB-1993-402B-2DF5-28B8C998E02A}"/>
+              </a:ext>
+            </a:extLst>
+          </p:cNvPr>
+          <p:cNvSpPr>
+            <a:spLocks noGrp="1"/>
+          </p:cNvSpPr>
+          <p:nvPr>
+            <p:ph type="title"/>
+          </p:nvPr>
+        </p:nvSpPr>
+        <p:spPr/>
+        <p:txBody>
+          <a:bodyPr/>
+          <a:lstStyle/>
+          <a:p>
+            <a:r>
+              <a:rPr lang="es-MX" b="1" dirty="0"/>
+              <a:t>ATRIBUTOS DE CALIDAD</a:t>
+            </a:r>
+            <a:endParaRPr lang="es-CO" b="1" dirty="0"/>
+          </a:p>
+        </p:txBody>
+      </p:sp>
+      <p:graphicFrame>
+        <p:nvGraphicFramePr>
+          <p:cNvPr id="6" name="Tabla 5">
+            <a:extLst>
+              <a:ext uri="{FF2B5EF4-FFF2-40B4-BE49-F238E27FC236}">
+                <a16:creationId xmlns:a16="http://schemas.microsoft.com/office/drawing/2014/main" id="{66ACADAB-3789-0927-5528-6503D5AE05B2}"/>
+              </a:ext>
+            </a:extLst>
+          </p:cNvPr>
+          <p:cNvGraphicFramePr>
+            <a:graphicFrameLocks noGrp="1"/>
+          </p:cNvGraphicFramePr>
+          <p:nvPr>
+            <p:extLst>
+              <p:ext uri="{D42A27DB-BD31-4B8C-83A1-F6EECF244321}">
+                <p14:modId xmlns:p14="http://schemas.microsoft.com/office/powerpoint/2010/main" val="608915458"/>
+              </p:ext>
+            </p:extLst>
+          </p:nvPr>
+        </p:nvGraphicFramePr>
+        <p:xfrm>
+          <a:off x="646111" y="1558962"/>
+          <a:ext cx="10899778" cy="4846320"/>
+        </p:xfrm>
+        <a:graphic>
+          <a:graphicData uri="http://schemas.openxmlformats.org/drawingml/2006/table">
+            <a:tbl>
+              <a:tblPr firstRow="1" bandRow="1">
+                <a:tableStyleId>{5C22544A-7EE6-4342-B048-85BDC9FD1C3A}</a:tableStyleId>
+              </a:tblPr>
+              <a:tblGrid>
+                <a:gridCol w="1169556">
+                  <a:extLst>
+                    <a:ext uri="{9D8B030D-6E8A-4147-A177-3AD203B41FA5}">
+                      <a16:colId xmlns:a16="http://schemas.microsoft.com/office/drawing/2014/main" val="910753519"/>
+                    </a:ext>
+                  </a:extLst>
+                </a:gridCol>
+                <a:gridCol w="2515701">
+                  <a:extLst>
+                    <a:ext uri="{9D8B030D-6E8A-4147-A177-3AD203B41FA5}">
+                      <a16:colId xmlns:a16="http://schemas.microsoft.com/office/drawing/2014/main" val="1588073553"/>
+                    </a:ext>
+                  </a:extLst>
+                </a:gridCol>
+                <a:gridCol w="3522334">
+                  <a:extLst>
+                    <a:ext uri="{9D8B030D-6E8A-4147-A177-3AD203B41FA5}">
+                      <a16:colId xmlns:a16="http://schemas.microsoft.com/office/drawing/2014/main" val="3767480170"/>
+                    </a:ext>
+                  </a:extLst>
+                </a:gridCol>
+                <a:gridCol w="1904179">
+                  <a:extLst>
+                    <a:ext uri="{9D8B030D-6E8A-4147-A177-3AD203B41FA5}">
+                      <a16:colId xmlns:a16="http://schemas.microsoft.com/office/drawing/2014/main" val="131509763"/>
+                    </a:ext>
+                  </a:extLst>
+                </a:gridCol>
+                <a:gridCol w="1788008">
+                  <a:extLst>
+                    <a:ext uri="{9D8B030D-6E8A-4147-A177-3AD203B41FA5}">
+                      <a16:colId xmlns:a16="http://schemas.microsoft.com/office/drawing/2014/main" val="498345822"/>
+                    </a:ext>
+                  </a:extLst>
+                </a:gridCol>
+              </a:tblGrid>
+              <a:tr h="370840">
+                <a:tc>
+                  <a:txBody>
+                    <a:bodyPr/>
+                    <a:lstStyle/>
+                    <a:p>
+                      <a:r>
+                        <a:rPr lang="es-MX" dirty="0"/>
+                        <a:t>ID</a:t>
+                      </a:r>
+                      <a:endParaRPr lang="es-CO" dirty="0"/>
+                    </a:p>
+                  </a:txBody>
+                  <a:tcPr/>
+                </a:tc>
+                <a:tc>
+                  <a:txBody>
+                    <a:bodyPr/>
+                    <a:lstStyle/>
+                    <a:p>
+                      <a:r>
+                        <a:rPr lang="es-MX" dirty="0"/>
+                        <a:t>ATRIBUTO DE CALIDAD (ISO 25010)</a:t>
+                      </a:r>
+                      <a:endParaRPr lang="es-CO" dirty="0"/>
+                    </a:p>
+                  </a:txBody>
+                  <a:tcPr/>
+                </a:tc>
+                <a:tc>
+                  <a:txBody>
+                    <a:bodyPr/>
+                    <a:lstStyle/>
+                    <a:p>
+                      <a:r>
+                        <a:rPr lang="es-MX" dirty="0"/>
+                        <a:t>DESCRIPCION DEL NFR</a:t>
+                      </a:r>
+                      <a:endParaRPr lang="es-CO" dirty="0"/>
+                    </a:p>
+                  </a:txBody>
+                  <a:tcPr/>
+                </a:tc>
+                <a:tc>
+                  <a:txBody>
+                    <a:bodyPr/>
+                    <a:lstStyle/>
+                    <a:p>
+                      <a:r>
+                        <a:rPr lang="es-MX" dirty="0"/>
+                        <a:t>STAKEHOLDERS</a:t>
+                      </a:r>
+                      <a:endParaRPr lang="es-CO" dirty="0"/>
+                    </a:p>
+                  </a:txBody>
+                  <a:tcPr/>
+                </a:tc>
+                <a:tc>
+                  <a:txBody>
+                    <a:bodyPr/>
+                    <a:lstStyle/>
+                    <a:p>
+                      <a:r>
+                        <a:rPr lang="es-MX" b="1" dirty="0"/>
+                        <a:t>% ASIGNADO</a:t>
+                      </a:r>
+                      <a:endParaRPr lang="es-CO" b="1" dirty="0"/>
+                    </a:p>
+                  </a:txBody>
+                  <a:tcPr/>
+                </a:tc>
+                <a:extLst>
+                  <a:ext uri="{0D108BD9-81ED-4DB2-BD59-A6C34878D82A}">
+                    <a16:rowId xmlns:a16="http://schemas.microsoft.com/office/drawing/2014/main" val="3448519507"/>
+                  </a:ext>
+                </a:extLst>
+              </a:tr>
+              <a:tr h="370840">
+                <a:tc>
+                  <a:txBody>
+                    <a:bodyPr/>
+                    <a:lstStyle/>
+                    <a:p>
+                      <a:r>
+                        <a:rPr lang="es-MX" dirty="0"/>
+                        <a:t>NFR - 01</a:t>
+                      </a:r>
+                      <a:endParaRPr lang="es-CO" dirty="0"/>
+                    </a:p>
+                  </a:txBody>
+                  <a:tcPr/>
+                </a:tc>
+                <a:tc>
+                  <a:txBody>
+                    <a:bodyPr/>
+                    <a:lstStyle/>
+                    <a:p>
+                      <a:r>
+                        <a:rPr lang="es-MX" dirty="0"/>
+                        <a:t>Desempeño </a:t>
+                      </a:r>
+                    </a:p>
+                    <a:p>
+                      <a:endParaRPr lang="es-CO" dirty="0"/>
+                    </a:p>
+                  </a:txBody>
+                  <a:tcPr/>
+                </a:tc>
+                <a:tc>
+                  <a:txBody>
+                    <a:bodyPr/>
+                    <a:lstStyle/>
+                    <a:p>
+                      <a:r>
+                        <a:rPr lang="es-MX" dirty="0"/>
+                        <a:t>El sistema debe cargar las paginas de 3 a 5 segundos como máximo tras hacer click</a:t>
+                      </a:r>
+                      <a:endParaRPr lang="es-CO" dirty="0"/>
+                    </a:p>
+                  </a:txBody>
+                  <a:tcPr/>
+                </a:tc>
+                <a:tc>
+                  <a:txBody>
+                    <a:bodyPr/>
+                    <a:lstStyle/>
+                    <a:p>
+                      <a:r>
+                        <a:rPr lang="es-MX" dirty="0"/>
+                        <a:t>IT Manager</a:t>
+                      </a:r>
+                      <a:endParaRPr lang="es-CO" dirty="0"/>
+                    </a:p>
+                  </a:txBody>
+                  <a:tcPr/>
+                </a:tc>
+                <a:tc>
+                  <a:txBody>
+                    <a:bodyPr/>
+                    <a:lstStyle/>
+                    <a:p>
+                      <a:r>
+                        <a:rPr lang="es-MX" dirty="0"/>
+                        <a:t>30%</a:t>
+                      </a:r>
+                      <a:endParaRPr lang="es-CO" dirty="0"/>
+                    </a:p>
+                  </a:txBody>
+                  <a:tcPr/>
+                </a:tc>
+                <a:extLst>
+                  <a:ext uri="{0D108BD9-81ED-4DB2-BD59-A6C34878D82A}">
+                    <a16:rowId xmlns:a16="http://schemas.microsoft.com/office/drawing/2014/main" val="2170541271"/>
+                  </a:ext>
+                </a:extLst>
+              </a:tr>
+              <a:tr h="370840">
+                <a:tc>
+                  <a:txBody>
+                    <a:bodyPr/>
+                    <a:lstStyle/>
+                    <a:p>
+                      <a:r>
+                        <a:rPr lang="es-MX" dirty="0"/>
+                        <a:t>NFR – 02</a:t>
+                      </a:r>
+                      <a:endParaRPr lang="es-CO" dirty="0"/>
+                    </a:p>
+                  </a:txBody>
+                  <a:tcPr/>
+                </a:tc>
+                <a:tc>
+                  <a:txBody>
+                    <a:bodyPr/>
+                    <a:lstStyle/>
+                    <a:p>
+                      <a:r>
+                        <a:rPr lang="es-MX" dirty="0"/>
+                        <a:t>Seguridad </a:t>
+                      </a:r>
+                      <a:endParaRPr lang="es-CO" dirty="0"/>
+                    </a:p>
+                  </a:txBody>
+                  <a:tcPr/>
+                </a:tc>
+                <a:tc>
+                  <a:txBody>
+                    <a:bodyPr/>
+                    <a:lstStyle/>
+                    <a:p>
+                      <a:r>
+                        <a:rPr lang="es-MX" dirty="0"/>
+                        <a:t>Debe contar con autenticación segura y cifrado de contraseñas</a:t>
+                      </a:r>
+                      <a:endParaRPr lang="es-CO" dirty="0"/>
+                    </a:p>
+                  </a:txBody>
+                  <a:tcPr/>
+                </a:tc>
+                <a:tc>
+                  <a:txBody>
+                    <a:bodyPr/>
+                    <a:lstStyle/>
+                    <a:p>
+                      <a:r>
+                        <a:rPr lang="es-MX" dirty="0"/>
+                        <a:t>Security </a:t>
+                      </a:r>
+                      <a:endParaRPr lang="es-CO" dirty="0"/>
+                    </a:p>
+                  </a:txBody>
+                  <a:tcPr/>
+                </a:tc>
+                <a:tc>
+                  <a:txBody>
+                    <a:bodyPr/>
+                    <a:lstStyle/>
+                    <a:p>
+                      <a:r>
+                        <a:rPr lang="es-MX" dirty="0"/>
+                        <a:t>30%</a:t>
+                      </a:r>
+                      <a:endParaRPr lang="es-CO" dirty="0"/>
+                    </a:p>
+                  </a:txBody>
+                  <a:tcPr/>
+                </a:tc>
+                <a:extLst>
+                  <a:ext uri="{0D108BD9-81ED-4DB2-BD59-A6C34878D82A}">
+                    <a16:rowId xmlns:a16="http://schemas.microsoft.com/office/drawing/2014/main" val="664045490"/>
+                  </a:ext>
+                </a:extLst>
+              </a:tr>
+              <a:tr h="370840">
+                <a:tc>
+                  <a:txBody>
+                    <a:bodyPr/>
+                    <a:lstStyle/>
+                    <a:p>
+                      <a:r>
+                        <a:rPr lang="es-MX" dirty="0"/>
+                        <a:t>NFR – 03</a:t>
+                      </a:r>
+                      <a:endParaRPr lang="es-CO" dirty="0"/>
+                    </a:p>
+                  </a:txBody>
+                  <a:tcPr/>
+                </a:tc>
+                <a:tc>
+                  <a:txBody>
+                    <a:bodyPr/>
+                    <a:lstStyle/>
+                    <a:p>
+                      <a:r>
+                        <a:rPr lang="es-MX" dirty="0"/>
+                        <a:t>Mantenibilidad </a:t>
+                      </a:r>
+                      <a:endParaRPr lang="es-CO" dirty="0"/>
+                    </a:p>
+                  </a:txBody>
+                  <a:tcPr/>
+                </a:tc>
+                <a:tc>
+                  <a:txBody>
+                    <a:bodyPr/>
+                    <a:lstStyle/>
+                    <a:p>
+                      <a:r>
+                        <a:rPr lang="es-MX" dirty="0"/>
+                        <a:t>El sistema debe ser fácilmente desplegable y monitoreable</a:t>
+                      </a:r>
+                      <a:endParaRPr lang="es-CO" dirty="0"/>
+                    </a:p>
+                  </a:txBody>
+                  <a:tcPr/>
+                </a:tc>
+                <a:tc>
+                  <a:txBody>
+                    <a:bodyPr/>
+                    <a:lstStyle/>
+                    <a:p>
+                      <a:r>
+                        <a:rPr lang="es-MX" dirty="0"/>
+                        <a:t>DevOps</a:t>
+                      </a:r>
+                      <a:endParaRPr lang="es-CO" dirty="0"/>
+                    </a:p>
+                  </a:txBody>
+                  <a:tcPr/>
+                </a:tc>
+                <a:tc>
+                  <a:txBody>
+                    <a:bodyPr/>
+                    <a:lstStyle/>
+                    <a:p>
+                      <a:r>
+                        <a:rPr lang="es-MX" dirty="0"/>
+                        <a:t>20%</a:t>
+                      </a:r>
+                      <a:endParaRPr lang="es-CO" dirty="0"/>
+                    </a:p>
+                  </a:txBody>
+                  <a:tcPr/>
+                </a:tc>
+                <a:extLst>
+                  <a:ext uri="{0D108BD9-81ED-4DB2-BD59-A6C34878D82A}">
+                    <a16:rowId xmlns:a16="http://schemas.microsoft.com/office/drawing/2014/main" val="662238271"/>
+                  </a:ext>
+                </a:extLst>
+              </a:tr>
+              <a:tr h="370840">
+                <a:tc>
+                  <a:txBody>
+                    <a:bodyPr/>
+                    <a:lstStyle/>
+                    <a:p>
+                      <a:r>
+                        <a:rPr lang="es-MX" dirty="0"/>
+                        <a:t>NFR – 04</a:t>
+                      </a:r>
+                      <a:endParaRPr lang="es-CO" dirty="0"/>
+                    </a:p>
+                  </a:txBody>
+                  <a:tcPr/>
+                </a:tc>
+                <a:tc>
+                  <a:txBody>
+                    <a:bodyPr/>
+                    <a:lstStyle/>
+                    <a:p>
+                      <a:r>
+                        <a:rPr lang="es-MX" dirty="0"/>
+                        <a:t>Calidad </a:t>
+                      </a:r>
+                      <a:endParaRPr lang="es-CO" dirty="0"/>
+                    </a:p>
+                  </a:txBody>
+                  <a:tcPr/>
+                </a:tc>
+                <a:tc>
+                  <a:txBody>
+                    <a:bodyPr/>
+                    <a:lstStyle/>
+                    <a:p>
+                      <a:r>
+                        <a:rPr lang="es-MX" dirty="0"/>
+                        <a:t>La app debe de funcionar correctamente en ambientes de prueba y cumplir con el test de calidad</a:t>
+                      </a:r>
+                      <a:endParaRPr lang="es-CO" dirty="0"/>
+                    </a:p>
+                  </a:txBody>
+                  <a:tcPr/>
+                </a:tc>
+                <a:tc>
+                  <a:txBody>
+                    <a:bodyPr/>
+                    <a:lstStyle/>
+                    <a:p>
+                      <a:r>
+                        <a:rPr lang="es-MX" dirty="0" err="1"/>
+                        <a:t>Quality</a:t>
+                      </a:r>
+                      <a:r>
+                        <a:rPr lang="es-MX" dirty="0"/>
+                        <a:t> </a:t>
+                      </a:r>
+                      <a:r>
+                        <a:rPr lang="es-MX" dirty="0" err="1"/>
+                        <a:t>Assurance</a:t>
+                      </a:r>
+                      <a:endParaRPr lang="es-CO" dirty="0"/>
+                    </a:p>
+                  </a:txBody>
+                  <a:tcPr/>
+                </a:tc>
+                <a:tc>
+                  <a:txBody>
+                    <a:bodyPr/>
+                    <a:lstStyle/>
+                    <a:p>
+                      <a:r>
+                        <a:rPr lang="es-MX" dirty="0"/>
+                        <a:t>20%</a:t>
+                      </a:r>
+                      <a:endParaRPr lang="es-CO" dirty="0"/>
+                    </a:p>
+                  </a:txBody>
+                  <a:tcPr/>
+                </a:tc>
+                <a:extLst>
+                  <a:ext uri="{0D108BD9-81ED-4DB2-BD59-A6C34878D82A}">
+                    <a16:rowId xmlns:a16="http://schemas.microsoft.com/office/drawing/2014/main" val="1071359476"/>
+                  </a:ext>
+                </a:extLst>
+              </a:tr>
+            </a:tbl>
+          </a:graphicData>
+        </a:graphic>
+      </p:graphicFrame>
+    </p:spTree>
+    <p:extLst>
+      <p:ext uri="{BB962C8B-B14F-4D97-AF65-F5344CB8AC3E}">
+        <p14:creationId xmlns:p14="http://schemas.microsoft.com/office/powerpoint/2010/main" val="23102960"/>
+      </p:ext>
+    </p:extLst>
+  </p:cSld>
+  <p:clrMapOvr>
+    <a:masterClrMapping/>
+  </p:clrMapOvr>
+</p:sld>
+</file>
+
+<file path=ppt/slides/slide9.xml><?xml version="1.0" encoding="utf-8"?>
+<p:sld xmlns:a="http://schemas.openxmlformats.org/drawingml/2006/main" xmlns:r="http://schemas.openxmlformats.org/officeDocument/2006/relationships" xmlns:p="http://schemas.openxmlformats.org/presentationml/2006/main">
+  <p:cSld>
+    <p:spTree>
+      <p:nvGrpSpPr>
+        <p:cNvPr id="1" name=""/>
+        <p:cNvGrpSpPr/>
+        <p:nvPr/>
+      </p:nvGrpSpPr>
+      <p:grpSpPr>
+        <a:xfrm>
+          <a:off x="0" y="0"/>
+          <a:ext cx="0" cy="0"/>
+          <a:chOff x="0" y="0"/>
+          <a:chExt cx="0" cy="0"/>
+        </a:xfrm>
+      </p:grpSpPr>
+      <p:sp>
+        <p:nvSpPr>
+          <p:cNvPr id="2" name="Título 1">
+            <a:extLst>
+              <a:ext uri="{FF2B5EF4-FFF2-40B4-BE49-F238E27FC236}">
+                <a16:creationId xmlns:a16="http://schemas.microsoft.com/office/drawing/2014/main" id="{5DEC2D04-FA3C-9DDE-D764-DF2A6BBB7906}"/>
+              </a:ext>
+            </a:extLst>
+          </p:cNvPr>
+          <p:cNvSpPr>
+            <a:spLocks noGrp="1"/>
+          </p:cNvSpPr>
+          <p:nvPr>
+            <p:ph type="title"/>
+          </p:nvPr>
+        </p:nvSpPr>
+        <p:spPr/>
+        <p:txBody>
+          <a:bodyPr/>
+          <a:lstStyle/>
+          <a:p>
+            <a:r>
+              <a:rPr lang="es-MX" b="1" dirty="0"/>
+              <a:t>PONDERACION</a:t>
+            </a:r>
+            <a:endParaRPr lang="es-CO" b="1" dirty="0"/>
+          </a:p>
+        </p:txBody>
+      </p:sp>
+      <p:graphicFrame>
+        <p:nvGraphicFramePr>
+          <p:cNvPr id="4" name="Tabla 3">
+            <a:extLst>
+              <a:ext uri="{FF2B5EF4-FFF2-40B4-BE49-F238E27FC236}">
+                <a16:creationId xmlns:a16="http://schemas.microsoft.com/office/drawing/2014/main" id="{DFD8DE5A-D719-A44E-F5C3-6DFC0636F0AF}"/>
+              </a:ext>
+            </a:extLst>
+          </p:cNvPr>
+          <p:cNvGraphicFramePr>
+            <a:graphicFrameLocks noGrp="1"/>
+          </p:cNvGraphicFramePr>
+          <p:nvPr>
+            <p:extLst>
+              <p:ext uri="{D42A27DB-BD31-4B8C-83A1-F6EECF244321}">
+                <p14:modId xmlns:p14="http://schemas.microsoft.com/office/powerpoint/2010/main" val="4174826417"/>
+              </p:ext>
+            </p:extLst>
+          </p:nvPr>
+        </p:nvGraphicFramePr>
+        <p:xfrm>
+          <a:off x="646111" y="1853248"/>
+          <a:ext cx="10899777" cy="2804160"/>
+        </p:xfrm>
+        <a:graphic>
+          <a:graphicData uri="http://schemas.openxmlformats.org/drawingml/2006/table">
+            <a:tbl>
+              <a:tblPr firstRow="1" bandRow="1">
+                <a:tableStyleId>{5C22544A-7EE6-4342-B048-85BDC9FD1C3A}</a:tableStyleId>
+              </a:tblPr>
+              <a:tblGrid>
+                <a:gridCol w="1557111">
+                  <a:extLst>
+                    <a:ext uri="{9D8B030D-6E8A-4147-A177-3AD203B41FA5}">
+                      <a16:colId xmlns:a16="http://schemas.microsoft.com/office/drawing/2014/main" val="1356645020"/>
+                    </a:ext>
+                  </a:extLst>
+                </a:gridCol>
+                <a:gridCol w="2144189">
+                  <a:extLst>
+                    <a:ext uri="{9D8B030D-6E8A-4147-A177-3AD203B41FA5}">
+                      <a16:colId xmlns:a16="http://schemas.microsoft.com/office/drawing/2014/main" val="4171786037"/>
+                    </a:ext>
+                  </a:extLst>
+                </a:gridCol>
+                <a:gridCol w="2743200">
+                  <a:extLst>
+                    <a:ext uri="{9D8B030D-6E8A-4147-A177-3AD203B41FA5}">
+                      <a16:colId xmlns:a16="http://schemas.microsoft.com/office/drawing/2014/main" val="3446343795"/>
+                    </a:ext>
+                  </a:extLst>
+                </a:gridCol>
+                <a:gridCol w="1042736">
+                  <a:extLst>
+                    <a:ext uri="{9D8B030D-6E8A-4147-A177-3AD203B41FA5}">
+                      <a16:colId xmlns:a16="http://schemas.microsoft.com/office/drawing/2014/main" val="1325731766"/>
+                    </a:ext>
+                  </a:extLst>
+                </a:gridCol>
+                <a:gridCol w="1187116">
+                  <a:extLst>
+                    <a:ext uri="{9D8B030D-6E8A-4147-A177-3AD203B41FA5}">
+                      <a16:colId xmlns:a16="http://schemas.microsoft.com/office/drawing/2014/main" val="1742283221"/>
+                    </a:ext>
+                  </a:extLst>
+                </a:gridCol>
+                <a:gridCol w="1106905">
+                  <a:extLst>
+                    <a:ext uri="{9D8B030D-6E8A-4147-A177-3AD203B41FA5}">
+                      <a16:colId xmlns:a16="http://schemas.microsoft.com/office/drawing/2014/main" val="1602546480"/>
+                    </a:ext>
+                  </a:extLst>
+                </a:gridCol>
+                <a:gridCol w="1118520">
+                  <a:extLst>
+                    <a:ext uri="{9D8B030D-6E8A-4147-A177-3AD203B41FA5}">
+                      <a16:colId xmlns:a16="http://schemas.microsoft.com/office/drawing/2014/main" val="3865162925"/>
+                    </a:ext>
+                  </a:extLst>
+                </a:gridCol>
+              </a:tblGrid>
+              <a:tr h="370840">
+                <a:tc>
+                  <a:txBody>
+                    <a:bodyPr/>
+                    <a:lstStyle/>
+                    <a:p>
+                      <a:r>
+                        <a:rPr lang="es-MX" sz="1400" dirty="0"/>
+                        <a:t>ATRIBUTO</a:t>
+                      </a:r>
+                      <a:endParaRPr lang="es-CO" sz="1400" dirty="0"/>
+                    </a:p>
+                  </a:txBody>
+                  <a:tcPr/>
+                </a:tc>
+                <a:tc>
+                  <a:txBody>
+                    <a:bodyPr/>
+                    <a:lstStyle/>
+                    <a:p>
+                      <a:r>
+                        <a:rPr lang="es-MX" sz="1400" dirty="0"/>
+                        <a:t>DESCRIPCION</a:t>
+                      </a:r>
+                      <a:endParaRPr lang="es-CO" sz="1400" dirty="0"/>
+                    </a:p>
+                  </a:txBody>
+                  <a:tcPr/>
+                </a:tc>
+                <a:tc>
+                  <a:txBody>
+                    <a:bodyPr/>
+                    <a:lstStyle/>
+                    <a:p>
+                      <a:r>
+                        <a:rPr lang="es-MX" sz="1400" dirty="0"/>
+                        <a:t>METRICA</a:t>
+                      </a:r>
+                      <a:endParaRPr lang="es-CO" sz="1400" dirty="0"/>
+                    </a:p>
+                  </a:txBody>
+                  <a:tcPr/>
+                </a:tc>
+                <a:tc>
+                  <a:txBody>
+                    <a:bodyPr/>
+                    <a:lstStyle/>
+                    <a:p>
+                      <a:r>
+                        <a:rPr lang="es-MX" sz="1400" dirty="0"/>
+                        <a:t>IMPACTO (I)</a:t>
+                      </a:r>
+                      <a:endParaRPr lang="es-CO" sz="1400" dirty="0"/>
+                    </a:p>
+                  </a:txBody>
+                  <a:tcPr/>
+                </a:tc>
+                <a:tc>
+                  <a:txBody>
+                    <a:bodyPr/>
+                    <a:lstStyle/>
+                    <a:p>
+                      <a:r>
+                        <a:rPr lang="es-MX" sz="1400" dirty="0"/>
+                        <a:t>DIFICULTAD (D)</a:t>
+                      </a:r>
+                      <a:endParaRPr lang="es-CO" sz="1400" dirty="0"/>
+                    </a:p>
+                  </a:txBody>
+                  <a:tcPr/>
+                </a:tc>
+                <a:tc>
+                  <a:txBody>
+                    <a:bodyPr/>
+                    <a:lstStyle/>
+                    <a:p>
+                      <a:r>
+                        <a:rPr lang="es-MX" sz="1400" dirty="0"/>
+                        <a:t>PESO % (P)</a:t>
+                      </a:r>
+                      <a:endParaRPr lang="es-CO" sz="1400" dirty="0"/>
+                    </a:p>
+                  </a:txBody>
+                  <a:tcPr/>
+                </a:tc>
+                <a:tc>
+                  <a:txBody>
+                    <a:bodyPr/>
+                    <a:lstStyle/>
+                    <a:p>
+                      <a:r>
+                        <a:rPr lang="es-MX" sz="1400" dirty="0"/>
+                        <a:t>VALOR (V)  =(I+D)*P</a:t>
+                      </a:r>
+                      <a:endParaRPr lang="es-CO" sz="1400" dirty="0"/>
+                    </a:p>
+                  </a:txBody>
+                  <a:tcPr/>
+                </a:tc>
+                <a:extLst>
+                  <a:ext uri="{0D108BD9-81ED-4DB2-BD59-A6C34878D82A}">
+                    <a16:rowId xmlns:a16="http://schemas.microsoft.com/office/drawing/2014/main" val="2682984093"/>
+                  </a:ext>
+                </a:extLst>
+              </a:tr>
+              <a:tr h="370840">
+                <a:tc>
+                  <a:txBody>
+                    <a:bodyPr/>
+                    <a:lstStyle/>
+                    <a:p>
+                      <a:r>
+                        <a:rPr lang="es-MX" sz="1400" dirty="0"/>
+                        <a:t>Seguridad</a:t>
+                      </a:r>
+                      <a:endParaRPr lang="es-CO" sz="1400" dirty="0"/>
+                    </a:p>
+                  </a:txBody>
+                  <a:tcPr/>
+                </a:tc>
+                <a:tc>
+                  <a:txBody>
+                    <a:bodyPr/>
+                    <a:lstStyle/>
+                    <a:p>
+                      <a:r>
+                        <a:rPr lang="es-MX" sz="1400" dirty="0"/>
+                        <a:t>Control de acceso, protección de tatos</a:t>
+                      </a:r>
+                      <a:endParaRPr lang="es-CO" sz="1400" dirty="0"/>
+                    </a:p>
+                  </a:txBody>
+                  <a:tcPr/>
+                </a:tc>
+                <a:tc>
+                  <a:txBody>
+                    <a:bodyPr/>
+                    <a:lstStyle/>
+                    <a:p>
+                      <a:r>
+                        <a:rPr lang="es-MX" sz="1400" dirty="0"/>
+                        <a:t>Numero de vulnerabilidades o accesos no autorizados</a:t>
+                      </a:r>
+                      <a:endParaRPr lang="es-CO" sz="1400" dirty="0"/>
+                    </a:p>
+                  </a:txBody>
+                  <a:tcPr/>
+                </a:tc>
+                <a:tc>
+                  <a:txBody>
+                    <a:bodyPr/>
+                    <a:lstStyle/>
+                    <a:p>
+                      <a:r>
+                        <a:rPr lang="es-MX" sz="1400" dirty="0"/>
+                        <a:t>3</a:t>
+                      </a:r>
+                      <a:endParaRPr lang="es-CO" sz="1400" dirty="0"/>
+                    </a:p>
+                  </a:txBody>
+                  <a:tcPr/>
+                </a:tc>
+                <a:tc>
+                  <a:txBody>
+                    <a:bodyPr/>
+                    <a:lstStyle/>
+                    <a:p>
+                      <a:r>
+                        <a:rPr lang="es-MX" sz="1400" dirty="0"/>
+                        <a:t>2</a:t>
+                      </a:r>
+                      <a:endParaRPr lang="es-CO" sz="1400" dirty="0"/>
+                    </a:p>
+                  </a:txBody>
+                  <a:tcPr/>
+                </a:tc>
+                <a:tc>
+                  <a:txBody>
+                    <a:bodyPr/>
+                    <a:lstStyle/>
+                    <a:p>
+                      <a:r>
+                        <a:rPr lang="es-MX" sz="1400" dirty="0"/>
+                        <a:t>30%</a:t>
+                      </a:r>
+                      <a:endParaRPr lang="es-CO" sz="1400" dirty="0"/>
+                    </a:p>
+                  </a:txBody>
+                  <a:tcPr/>
+                </a:tc>
+                <a:tc>
+                  <a:txBody>
+                    <a:bodyPr/>
+                    <a:lstStyle/>
+                    <a:p>
+                      <a:r>
+                        <a:rPr lang="es-MX" sz="1400" dirty="0"/>
+                        <a:t>1,5</a:t>
+                      </a:r>
+                      <a:endParaRPr lang="es-CO" sz="1400" dirty="0"/>
+                    </a:p>
+                  </a:txBody>
+                  <a:tcPr/>
+                </a:tc>
+                <a:extLst>
+                  <a:ext uri="{0D108BD9-81ED-4DB2-BD59-A6C34878D82A}">
+                    <a16:rowId xmlns:a16="http://schemas.microsoft.com/office/drawing/2014/main" val="319726002"/>
+                  </a:ext>
+                </a:extLst>
+              </a:tr>
+              <a:tr h="370840">
+                <a:tc>
+                  <a:txBody>
+                    <a:bodyPr/>
+                    <a:lstStyle/>
+                    <a:p>
+                      <a:r>
+                        <a:rPr lang="es-MX" sz="1400" dirty="0"/>
+                        <a:t>Mantenibilidad </a:t>
+                      </a:r>
+                      <a:endParaRPr lang="es-CO" sz="1400" dirty="0"/>
+                    </a:p>
+                  </a:txBody>
+                  <a:tcPr/>
+                </a:tc>
+                <a:tc>
+                  <a:txBody>
+                    <a:bodyPr/>
+                    <a:lstStyle/>
+                    <a:p>
+                      <a:r>
+                        <a:rPr lang="es-MX" sz="1400" dirty="0"/>
+                        <a:t>Facilidad de modificar simulaciones o funciones</a:t>
+                      </a:r>
+                      <a:endParaRPr lang="es-CO" sz="1400" dirty="0"/>
+                    </a:p>
+                  </a:txBody>
+                  <a:tcPr/>
+                </a:tc>
+                <a:tc>
+                  <a:txBody>
+                    <a:bodyPr/>
+                    <a:lstStyle/>
+                    <a:p>
+                      <a:r>
+                        <a:rPr lang="es-MX" sz="1400" dirty="0"/>
+                        <a:t>Tiempo de mantenimiento</a:t>
+                      </a:r>
+                      <a:endParaRPr lang="es-CO" sz="1400" dirty="0"/>
+                    </a:p>
+                  </a:txBody>
+                  <a:tcPr/>
+                </a:tc>
+                <a:tc>
+                  <a:txBody>
+                    <a:bodyPr/>
+                    <a:lstStyle/>
+                    <a:p>
+                      <a:r>
+                        <a:rPr lang="es-MX" sz="1400" dirty="0"/>
+                        <a:t>3</a:t>
+                      </a:r>
+                      <a:endParaRPr lang="es-CO" sz="1400" dirty="0"/>
+                    </a:p>
+                  </a:txBody>
+                  <a:tcPr/>
+                </a:tc>
+                <a:tc>
+                  <a:txBody>
+                    <a:bodyPr/>
+                    <a:lstStyle/>
+                    <a:p>
+                      <a:r>
+                        <a:rPr lang="es-MX" sz="1400" dirty="0"/>
+                        <a:t>3</a:t>
+                      </a:r>
+                      <a:endParaRPr lang="es-CO" sz="1400" dirty="0"/>
+                    </a:p>
+                  </a:txBody>
+                  <a:tcPr/>
+                </a:tc>
+                <a:tc>
+                  <a:txBody>
+                    <a:bodyPr/>
+                    <a:lstStyle/>
+                    <a:p>
+                      <a:r>
+                        <a:rPr lang="es-MX" sz="1400" dirty="0"/>
+                        <a:t>30%</a:t>
+                      </a:r>
+                      <a:endParaRPr lang="es-CO" sz="1400" dirty="0"/>
+                    </a:p>
+                  </a:txBody>
+                  <a:tcPr/>
+                </a:tc>
+                <a:tc>
+                  <a:txBody>
+                    <a:bodyPr/>
+                    <a:lstStyle/>
+                    <a:p>
+                      <a:r>
+                        <a:rPr lang="es-MX" sz="1400" dirty="0"/>
+                        <a:t>1,8</a:t>
+                      </a:r>
+                      <a:endParaRPr lang="es-CO" sz="1400" dirty="0"/>
+                    </a:p>
+                  </a:txBody>
+                  <a:tcPr/>
+                </a:tc>
+                <a:extLst>
+                  <a:ext uri="{0D108BD9-81ED-4DB2-BD59-A6C34878D82A}">
+                    <a16:rowId xmlns:a16="http://schemas.microsoft.com/office/drawing/2014/main" val="316744288"/>
+                  </a:ext>
+                </a:extLst>
+              </a:tr>
+              <a:tr h="370840">
+                <a:tc>
+                  <a:txBody>
+                    <a:bodyPr/>
+                    <a:lstStyle/>
+                    <a:p>
+                      <a:r>
+                        <a:rPr lang="es-MX" sz="1400" dirty="0"/>
+                        <a:t>Eficiencia</a:t>
+                      </a:r>
+                      <a:endParaRPr lang="es-CO" sz="1400" dirty="0"/>
+                    </a:p>
+                  </a:txBody>
+                  <a:tcPr/>
+                </a:tc>
+                <a:tc>
+                  <a:txBody>
+                    <a:bodyPr/>
+                    <a:lstStyle/>
+                    <a:p>
+                      <a:r>
+                        <a:rPr lang="es-MX" sz="1400" dirty="0"/>
+                        <a:t>Tiempo de respuesta (rendimiento)</a:t>
+                      </a:r>
+                      <a:endParaRPr lang="es-CO" sz="1400" dirty="0"/>
+                    </a:p>
+                  </a:txBody>
+                  <a:tcPr/>
+                </a:tc>
+                <a:tc>
+                  <a:txBody>
+                    <a:bodyPr/>
+                    <a:lstStyle/>
+                    <a:p>
+                      <a:r>
+                        <a:rPr lang="es-MX" sz="1400" dirty="0"/>
+                        <a:t>Ms en tareas clave</a:t>
+                      </a:r>
+                      <a:endParaRPr lang="es-CO" sz="1400" dirty="0"/>
+                    </a:p>
+                  </a:txBody>
+                  <a:tcPr/>
+                </a:tc>
+                <a:tc>
+                  <a:txBody>
+                    <a:bodyPr/>
+                    <a:lstStyle/>
+                    <a:p>
+                      <a:r>
+                        <a:rPr lang="es-MX" sz="1400" dirty="0"/>
+                        <a:t>2</a:t>
+                      </a:r>
+                      <a:endParaRPr lang="es-CO" sz="1400" dirty="0"/>
+                    </a:p>
+                  </a:txBody>
+                  <a:tcPr/>
+                </a:tc>
+                <a:tc>
+                  <a:txBody>
+                    <a:bodyPr/>
+                    <a:lstStyle/>
+                    <a:p>
+                      <a:r>
+                        <a:rPr lang="es-MX" sz="1400" dirty="0"/>
+                        <a:t>2</a:t>
+                      </a:r>
+                      <a:endParaRPr lang="es-CO" sz="1400" dirty="0"/>
+                    </a:p>
+                  </a:txBody>
+                  <a:tcPr/>
+                </a:tc>
+                <a:tc>
+                  <a:txBody>
+                    <a:bodyPr/>
+                    <a:lstStyle/>
+                    <a:p>
+                      <a:r>
+                        <a:rPr lang="es-MX" sz="1400" dirty="0"/>
+                        <a:t>20%</a:t>
+                      </a:r>
+                      <a:endParaRPr lang="es-CO" sz="1400" dirty="0"/>
+                    </a:p>
+                  </a:txBody>
+                  <a:tcPr/>
+                </a:tc>
+                <a:tc>
+                  <a:txBody>
+                    <a:bodyPr/>
+                    <a:lstStyle/>
+                    <a:p>
+                      <a:r>
+                        <a:rPr lang="es-MX" sz="1400" dirty="0"/>
+                        <a:t>0,8</a:t>
+                      </a:r>
+                      <a:endParaRPr lang="es-CO" sz="1400" dirty="0"/>
+                    </a:p>
+                  </a:txBody>
+                  <a:tcPr/>
+                </a:tc>
+                <a:extLst>
+                  <a:ext uri="{0D108BD9-81ED-4DB2-BD59-A6C34878D82A}">
+                    <a16:rowId xmlns:a16="http://schemas.microsoft.com/office/drawing/2014/main" val="3193184693"/>
+                  </a:ext>
+                </a:extLst>
+              </a:tr>
+              <a:tr h="370840">
+                <a:tc>
+                  <a:txBody>
+                    <a:bodyPr/>
+                    <a:lstStyle/>
+                    <a:p>
+                      <a:r>
+                        <a:rPr lang="es-MX" sz="1400" dirty="0"/>
+                        <a:t>Usabilidad </a:t>
+                      </a:r>
+                      <a:endParaRPr lang="es-CO" sz="1400" dirty="0"/>
+                    </a:p>
+                  </a:txBody>
+                  <a:tcPr/>
+                </a:tc>
+                <a:tc>
+                  <a:txBody>
+                    <a:bodyPr/>
+                    <a:lstStyle/>
+                    <a:p>
+                      <a:r>
+                        <a:rPr lang="es-MX" sz="1400" dirty="0"/>
+                        <a:t>Facilidad de uso e interfaz intuitiva</a:t>
+                      </a:r>
+                      <a:endParaRPr lang="es-CO" sz="1400" dirty="0"/>
+                    </a:p>
+                  </a:txBody>
+                  <a:tcPr/>
+                </a:tc>
+                <a:tc>
+                  <a:txBody>
+                    <a:bodyPr/>
+                    <a:lstStyle/>
+                    <a:p>
+                      <a:r>
+                        <a:rPr lang="es-MX" sz="1400" dirty="0"/>
+                        <a:t>Encuestas de usuario</a:t>
+                      </a:r>
+                      <a:endParaRPr lang="es-CO" sz="1400" dirty="0"/>
+                    </a:p>
+                  </a:txBody>
+                  <a:tcPr/>
+                </a:tc>
+                <a:tc>
+                  <a:txBody>
+                    <a:bodyPr/>
+                    <a:lstStyle/>
+                    <a:p>
+                      <a:r>
+                        <a:rPr lang="es-MX" sz="1400" dirty="0"/>
+                        <a:t>2</a:t>
+                      </a:r>
+                      <a:endParaRPr lang="es-CO" sz="1400" dirty="0"/>
+                    </a:p>
+                  </a:txBody>
+                  <a:tcPr/>
+                </a:tc>
+                <a:tc>
+                  <a:txBody>
+                    <a:bodyPr/>
+                    <a:lstStyle/>
+                    <a:p>
+                      <a:r>
+                        <a:rPr lang="es-MX" sz="1400" dirty="0"/>
+                        <a:t>1</a:t>
+                      </a:r>
+                      <a:endParaRPr lang="es-CO" sz="1400" dirty="0"/>
+                    </a:p>
+                  </a:txBody>
+                  <a:tcPr/>
+                </a:tc>
+                <a:tc>
+                  <a:txBody>
+                    <a:bodyPr/>
+                    <a:lstStyle/>
+                    <a:p>
+                      <a:r>
+                        <a:rPr lang="es-MX" sz="1400" dirty="0"/>
+                        <a:t>20%</a:t>
+                      </a:r>
+                      <a:endParaRPr lang="es-CO" sz="1400" dirty="0"/>
+                    </a:p>
+                  </a:txBody>
+                  <a:tcPr/>
+                </a:tc>
+                <a:tc>
+                  <a:txBody>
+                    <a:bodyPr/>
+                    <a:lstStyle/>
+                    <a:p>
+                      <a:r>
+                        <a:rPr lang="es-MX" sz="1400" dirty="0"/>
+                        <a:t>0,6</a:t>
+                      </a:r>
+                      <a:endParaRPr lang="es-CO" sz="1400" dirty="0"/>
+                    </a:p>
+                  </a:txBody>
+                  <a:tcPr/>
+                </a:tc>
+                <a:extLst>
+                  <a:ext uri="{0D108BD9-81ED-4DB2-BD59-A6C34878D82A}">
+                    <a16:rowId xmlns:a16="http://schemas.microsoft.com/office/drawing/2014/main" val="3742695809"/>
+                  </a:ext>
+                </a:extLst>
+              </a:tr>
+            </a:tbl>
+          </a:graphicData>
+        </a:graphic>
+      </p:graphicFrame>
+    </p:spTree>
+    <p:extLst>
+      <p:ext uri="{BB962C8B-B14F-4D97-AF65-F5344CB8AC3E}">
+        <p14:creationId xmlns:p14="http://schemas.microsoft.com/office/powerpoint/2010/main" val="3552875657"/>
       </p:ext>
     </p:extLst>
   </p:cSld>
@@ -8035,4 +9685,319 @@
     </a:ext>
   </a:extLst>
 </a:theme>
+</file>
+
+<file path=ppt/theme/theme2.xml><?xml version="1.0" encoding="utf-8"?>
+<a:theme xmlns:a="http://schemas.openxmlformats.org/drawingml/2006/main" name="Tema de Office">
+  <a:themeElements>
+    <a:clrScheme name="Office">
+      <a:dk1>
+        <a:sysClr val="windowText" lastClr="000000"/>
+      </a:dk1>
+      <a:lt1>
+        <a:sysClr val="window" lastClr="FFFFFF"/>
+      </a:lt1>
+      <a:dk2>
+        <a:srgbClr val="0E2841"/>
+      </a:dk2>
+      <a:lt2>
+        <a:srgbClr val="E8E8E8"/>
+      </a:lt2>
+      <a:accent1>
+        <a:srgbClr val="156082"/>
+      </a:accent1>
+      <a:accent2>
+        <a:srgbClr val="E97132"/>
+      </a:accent2>
+      <a:accent3>
+        <a:srgbClr val="196B24"/>
+      </a:accent3>
+      <a:accent4>
+        <a:srgbClr val="0F9ED5"/>
+      </a:accent4>
+      <a:accent5>
+        <a:srgbClr val="A02B93"/>
+      </a:accent5>
+      <a:accent6>
+        <a:srgbClr val="4EA72E"/>
+      </a:accent6>
+      <a:hlink>
+        <a:srgbClr val="467886"/>
+      </a:hlink>
+      <a:folHlink>
+        <a:srgbClr val="96607D"/>
+      </a:folHlink>
+    </a:clrScheme>
+    <a:fontScheme name="Office">
+      <a:majorFont>
+        <a:latin typeface="Aptos Display" panose="02110004020202020204"/>
+        <a:ea typeface=""/>
+        <a:cs typeface=""/>
+        <a:font script="Jpan" typeface="游ゴシック Light"/>
+        <a:font script="Hang" typeface="맑은 고딕"/>
+        <a:font script="Hans" typeface="等线 Light"/>
+        <a:font script="Hant" typeface="新細明體"/>
+        <a:font script="Arab" typeface="Times New Roman"/>
+        <a:font script="Hebr" typeface="Times New Roman"/>
+        <a:font script="Thai" typeface="Angsana New"/>
+        <a:font script="Ethi" typeface="Nyala"/>
+        <a:font script="Beng" typeface="Vrinda"/>
+        <a:font script="Gujr" typeface="Shruti"/>
+        <a:font script="Khmr" typeface="MoolBoran"/>
+        <a:font script="Knda" typeface="Tunga"/>
+        <a:font script="Guru" typeface="Raavi"/>
+        <a:font script="Cans" typeface="Euphemia"/>
+        <a:font script="Cher" typeface="Plantagenet Cherokee"/>
+        <a:font script="Yiii" typeface="Microsoft Yi Baiti"/>
+        <a:font script="Tibt" typeface="Microsoft Himalaya"/>
+        <a:font script="Thaa" typeface="MV Boli"/>
+        <a:font script="Deva" typeface="Mangal"/>
+        <a:font script="Telu" typeface="Gautami"/>
+        <a:font script="Taml" typeface="Latha"/>
+        <a:font script="Syrc" typeface="Estrangelo Edessa"/>
+        <a:font script="Orya" typeface="Kalinga"/>
+        <a:font script="Mlym" typeface="Kartika"/>
+        <a:font script="Laoo" typeface="DokChampa"/>
+        <a:font script="Sinh" typeface="Iskoola Pota"/>
+        <a:font script="Mong" typeface="Mongolian Baiti"/>
+        <a:font script="Viet" typeface="Times New Roman"/>
+        <a:font script="Uigh" typeface="Microsoft Uighur"/>
+        <a:font script="Geor" typeface="Sylfaen"/>
+        <a:font script="Armn" typeface="Arial"/>
+        <a:font script="Bugi" typeface="Leelawadee UI"/>
+        <a:font script="Bopo" typeface="Microsoft JhengHei"/>
+        <a:font script="Java" typeface="Javanese Text"/>
+        <a:font script="Lisu" typeface="Segoe UI"/>
+        <a:font script="Mymr" typeface="Myanmar Text"/>
+        <a:font script="Nkoo" typeface="Ebrima"/>
+        <a:font script="Olck" typeface="Nirmala UI"/>
+        <a:font script="Osma" typeface="Ebrima"/>
+        <a:font script="Phag" typeface="Phagspa"/>
+        <a:font script="Syrn" typeface="Estrangelo Edessa"/>
+        <a:font script="Syrj" typeface="Estrangelo Edessa"/>
+        <a:font script="Syre" typeface="Estrangelo Edessa"/>
+        <a:font script="Sora" typeface="Nirmala UI"/>
+        <a:font script="Tale" typeface="Microsoft Tai Le"/>
+        <a:font script="Talu" typeface="Microsoft New Tai Lue"/>
+        <a:font script="Tfng" typeface="Ebrima"/>
+      </a:majorFont>
+      <a:minorFont>
+        <a:latin typeface="Aptos" panose="02110004020202020204"/>
+        <a:ea typeface=""/>
+        <a:cs typeface=""/>
+        <a:font script="Jpan" typeface="游ゴシック"/>
+        <a:font script="Hang" typeface="맑은 고딕"/>
+        <a:font script="Hans" typeface="等线"/>
+        <a:font script="Hant" typeface="新細明體"/>
+        <a:font script="Arab" typeface="Arial"/>
+        <a:font script="Hebr" typeface="Arial"/>
+        <a:font script="Thai" typeface="Cordia New"/>
+        <a:font script="Ethi" typeface="Nyala"/>
+        <a:font script="Beng" typeface="Vrinda"/>
+        <a:font script="Gujr" typeface="Shruti"/>
+        <a:font script="Khmr" typeface="DaunPenh"/>
+        <a:font script="Knda" typeface="Tunga"/>
+        <a:font script="Guru" typeface="Raavi"/>
+        <a:font script="Cans" typeface="Euphemia"/>
+        <a:font script="Cher" typeface="Plantagenet Cherokee"/>
+        <a:font script="Yiii" typeface="Microsoft Yi Baiti"/>
+        <a:font script="Tibt" typeface="Microsoft Himalaya"/>
+        <a:font script="Thaa" typeface="MV Boli"/>
+        <a:font script="Deva" typeface="Mangal"/>
+        <a:font script="Telu" typeface="Gautami"/>
+        <a:font script="Taml" typeface="Latha"/>
+        <a:font script="Syrc" typeface="Estrangelo Edessa"/>
+        <a:font script="Orya" typeface="Kalinga"/>
+        <a:font script="Mlym" typeface="Kartika"/>
+        <a:font script="Laoo" typeface="DokChampa"/>
+        <a:font script="Sinh" typeface="Iskoola Pota"/>
+        <a:font script="Mong" typeface="Mongolian Baiti"/>
+        <a:font script="Viet" typeface="Arial"/>
+        <a:font script="Uigh" typeface="Microsoft Uighur"/>
+        <a:font script="Geor" typeface="Sylfaen"/>
+        <a:font script="Armn" typeface="Arial"/>
+        <a:font script="Bugi" typeface="Leelawadee UI"/>
+        <a:font script="Bopo" typeface="Microsoft JhengHei"/>
+        <a:font script="Java" typeface="Javanese Text"/>
+        <a:font script="Lisu" typeface="Segoe UI"/>
+        <a:font script="Mymr" typeface="Myanmar Text"/>
+        <a:font script="Nkoo" typeface="Ebrima"/>
+        <a:font script="Olck" typeface="Nirmala UI"/>
+        <a:font script="Osma" typeface="Ebrima"/>
+        <a:font script="Phag" typeface="Phagspa"/>
+        <a:font script="Syrn" typeface="Estrangelo Edessa"/>
+        <a:font script="Syrj" typeface="Estrangelo Edessa"/>
+        <a:font script="Syre" typeface="Estrangelo Edessa"/>
+        <a:font script="Sora" typeface="Nirmala UI"/>
+        <a:font script="Tale" typeface="Microsoft Tai Le"/>
+        <a:font script="Talu" typeface="Microsoft New Tai Lue"/>
+        <a:font script="Tfng" typeface="Ebrima"/>
+      </a:minorFont>
+    </a:fontScheme>
+    <a:fmtScheme name="Office">
+      <a:fillStyleLst>
+        <a:solidFill>
+          <a:schemeClr val="phClr"/>
+        </a:solidFill>
+        <a:gradFill rotWithShape="1">
+          <a:gsLst>
+            <a:gs pos="0">
+              <a:schemeClr val="phClr">
+                <a:lumMod val="110000"/>
+                <a:satMod val="105000"/>
+                <a:tint val="67000"/>
+              </a:schemeClr>
+            </a:gs>
+            <a:gs pos="50000">
+              <a:schemeClr val="phClr">
+                <a:lumMod val="105000"/>
+                <a:satMod val="103000"/>
+                <a:tint val="73000"/>
+              </a:schemeClr>
+            </a:gs>
+            <a:gs pos="100000">
+              <a:schemeClr val="phClr">
+                <a:lumMod val="105000"/>
+                <a:satMod val="109000"/>
+                <a:tint val="81000"/>
+              </a:schemeClr>
+            </a:gs>
+          </a:gsLst>
+          <a:lin ang="5400000" scaled="0"/>
+        </a:gradFill>
+        <a:gradFill rotWithShape="1">
+          <a:gsLst>
+            <a:gs pos="0">
+              <a:schemeClr val="phClr">
+                <a:satMod val="103000"/>
+                <a:lumMod val="102000"/>
+                <a:tint val="94000"/>
+              </a:schemeClr>
+            </a:gs>
+            <a:gs pos="50000">
+              <a:schemeClr val="phClr">
+                <a:satMod val="110000"/>
+                <a:lumMod val="100000"/>
+                <a:shade val="100000"/>
+              </a:schemeClr>
+            </a:gs>
+            <a:gs pos="100000">
+              <a:schemeClr val="phClr">
+                <a:lumMod val="99000"/>
+                <a:satMod val="120000"/>
+                <a:shade val="78000"/>
+              </a:schemeClr>
+            </a:gs>
+          </a:gsLst>
+          <a:lin ang="5400000" scaled="0"/>
+        </a:gradFill>
+      </a:fillStyleLst>
+      <a:lnStyleLst>
+        <a:ln w="12700" cap="flat" cmpd="sng" algn="ctr">
+          <a:solidFill>
+            <a:schemeClr val="phClr"/>
+          </a:solidFill>
+          <a:prstDash val="solid"/>
+          <a:miter lim="800000"/>
+        </a:ln>
+        <a:ln w="19050" cap="flat" cmpd="sng" algn="ctr">
+          <a:solidFill>
+            <a:schemeClr val="phClr"/>
+          </a:solidFill>
+          <a:prstDash val="solid"/>
+          <a:miter lim="800000"/>
+        </a:ln>
+        <a:ln w="25400" cap="flat" cmpd="sng" algn="ctr">
+          <a:solidFill>
+            <a:schemeClr val="phClr"/>
+          </a:solidFill>
+          <a:prstDash val="solid"/>
+          <a:miter lim="800000"/>
+        </a:ln>
+      </a:lnStyleLst>
+      <a:effectStyleLst>
+        <a:effectStyle>
+          <a:effectLst/>
+        </a:effectStyle>
+        <a:effectStyle>
+          <a:effectLst/>
+        </a:effectStyle>
+        <a:effectStyle>
+          <a:effectLst>
+            <a:outerShdw blurRad="57150" dist="19050" dir="5400000" algn="ctr" rotWithShape="0">
+              <a:srgbClr val="000000">
+                <a:alpha val="63000"/>
+              </a:srgbClr>
+            </a:outerShdw>
+          </a:effectLst>
+        </a:effectStyle>
+      </a:effectStyleLst>
+      <a:bgFillStyleLst>
+        <a:solidFill>
+          <a:schemeClr val="phClr"/>
+        </a:solidFill>
+        <a:solidFill>
+          <a:schemeClr val="phClr">
+            <a:tint val="95000"/>
+            <a:satMod val="170000"/>
+          </a:schemeClr>
+        </a:solidFill>
+        <a:gradFill rotWithShape="1">
+          <a:gsLst>
+            <a:gs pos="0">
+              <a:schemeClr val="phClr">
+                <a:tint val="93000"/>
+                <a:satMod val="150000"/>
+                <a:shade val="98000"/>
+                <a:lumMod val="102000"/>
+              </a:schemeClr>
+            </a:gs>
+            <a:gs pos="50000">
+              <a:schemeClr val="phClr">
+                <a:tint val="98000"/>
+                <a:satMod val="130000"/>
+                <a:shade val="90000"/>
+                <a:lumMod val="103000"/>
+              </a:schemeClr>
+            </a:gs>
+            <a:gs pos="100000">
+              <a:schemeClr val="phClr">
+                <a:shade val="63000"/>
+                <a:satMod val="120000"/>
+              </a:schemeClr>
+            </a:gs>
+          </a:gsLst>
+          <a:lin ang="5400000" scaled="0"/>
+        </a:gradFill>
+      </a:bgFillStyleLst>
+    </a:fmtScheme>
+  </a:themeElements>
+  <a:objectDefaults>
+    <a:lnDef>
+      <a:spPr/>
+      <a:bodyPr/>
+      <a:lstStyle/>
+      <a:style>
+        <a:lnRef idx="2">
+          <a:schemeClr val="accent1"/>
+        </a:lnRef>
+        <a:fillRef idx="0">
+          <a:schemeClr val="accent1"/>
+        </a:fillRef>
+        <a:effectRef idx="1">
+          <a:schemeClr val="accent1"/>
+        </a:effectRef>
+        <a:fontRef idx="minor">
+          <a:schemeClr val="tx1"/>
+        </a:fontRef>
+      </a:style>
+    </a:lnDef>
+  </a:objectDefaults>
+  <a:extraClrSchemeLst/>
+  <a:extLst>
+    <a:ext uri="{05A4C25C-085E-4340-85A3-A5531E510DB2}">
+      <thm15:themeFamily xmlns:thm15="http://schemas.microsoft.com/office/thememl/2012/main" name="Office Theme" id="{2E142A2C-CD16-42D6-873A-C26D2A0506FA}" vid="{1BDDFF52-6CD6-40A5-AB3C-68EB2F1E4D0A}"/>
+    </a:ext>
+  </a:extLst>
+</a:theme>
 </file>
--- a/Project/Context/EduPhysics.context.pptx
+++ b/Project/Context/EduPhysics.context.pptx
@@ -6722,13 +6722,8 @@
           <a:lstStyle/>
           <a:p>
             <a:r>
-              <a:rPr lang="es-MX" sz="1800" i="1" dirty="0">
-                <a:effectLst/>
-                <a:latin typeface="Times New Roman" panose="02020603050405020304" pitchFamily="18" charset="0"/>
-                <a:ea typeface="Times New Roman" panose="02020603050405020304" pitchFamily="18" charset="0"/>
-                <a:cs typeface="Times New Roman" panose="02020603050405020304" pitchFamily="18" charset="0"/>
-              </a:rPr>
-              <a:t>El proyecto se centra en el desarrollo de una aplicación móvil de laboratorios virtuales de física, diseñada para suplir la falta de laboratorios físicos en instituciones educativas con recursos limitados. La aplicación permitirá a los estudiantes realizar simulaciones interactivas de experimentos de física mecánica, aprovechando los sensores de los dispositivos móviles para capturar datos en tiempo real.</a:t>
+              <a:rPr lang="es-MX" sz="1600" dirty="0"/>
+              <a:t>El proyecto propone el desarrollo de una aplicación móvil multiplataforma orientada a estudiantes de instituciones educativas con recursos limitados, con el objetivo de suplir la ausencia de laboratorios físicos mediante simulaciones interactivas de física mecánica. La arquitectura del sistema estará centrada en el aprovechamiento de sensores nativos de los dispositivos móviles (como acelerómetro, giroscopio y cámara) para la captura de datos en tiempo real, lo cual permitirá a los usuarios realizar experimentos virtuales que simulen condiciones reales. La aplicación estará diseñada con una interfaz intuitiva y será escalable, permitiendo futuras integraciones con sistemas de gestión académica y nuevos módulos de simulación.</a:t>
             </a:r>
             <a:endParaRPr lang="es-CO" dirty="0"/>
           </a:p>
@@ -6813,7 +6808,7 @@
           <p:nvPr>
             <p:extLst>
               <p:ext uri="{D42A27DB-BD31-4B8C-83A1-F6EECF244321}">
-                <p14:modId xmlns:p14="http://schemas.microsoft.com/office/powerpoint/2010/main" val="916363468"/>
+                <p14:modId xmlns:p14="http://schemas.microsoft.com/office/powerpoint/2010/main" val="3443641032"/>
               </p:ext>
             </p:extLst>
           </p:nvPr>
@@ -6928,12 +6923,8 @@
                     <a:lstStyle/>
                     <a:p>
                       <a:r>
-                        <a:rPr lang="es-MX" dirty="0" err="1"/>
-                        <a:t>Req</a:t>
-                      </a:r>
-                      <a:r>
                         <a:rPr lang="es-MX" dirty="0"/>
-                        <a:t> - 01</a:t>
+                        <a:t>RF – 01</a:t>
                       </a:r>
                       <a:endParaRPr lang="es-CO" dirty="0"/>
                     </a:p>
@@ -6946,8 +6937,8 @@
                     <a:lstStyle/>
                     <a:p>
                       <a:r>
-                        <a:rPr lang="es-MX" dirty="0" err="1"/>
-                        <a:t>Login</a:t>
+                        <a:rPr lang="es-MX" dirty="0"/>
+                        <a:t>Simulación de experimentos de física mecánica</a:t>
                       </a:r>
                       <a:endParaRPr lang="es-CO" dirty="0"/>
                     </a:p>
@@ -6961,7 +6952,7 @@
                     <a:p>
                       <a:r>
                         <a:rPr lang="es-MX" dirty="0"/>
-                        <a:t>El sistema debe permitir la autenticación mediante el uso de un usuario y contraseña.</a:t>
+                        <a:t>La aplicación debe permitir al usuario ejecutar simulaciones interactivas de experimentos básicos como caída libre, plano inclinado o tiro parabólico.</a:t>
                       </a:r>
                       <a:endParaRPr lang="es-CO" dirty="0"/>
                     </a:p>
@@ -6975,7 +6966,7 @@
                     <a:p>
                       <a:r>
                         <a:rPr lang="es-MX" dirty="0"/>
-                        <a:t>IT, QA, PM, SEC</a:t>
+                        <a:t>Estudiantes, Docentes, Equipo de Desarrollo</a:t>
                       </a:r>
                       <a:endParaRPr lang="es-CO" dirty="0"/>
                     </a:p>
@@ -6995,12 +6986,8 @@
                     <a:lstStyle/>
                     <a:p>
                       <a:r>
-                        <a:rPr lang="es-MX" dirty="0" err="1"/>
-                        <a:t>Req</a:t>
-                      </a:r>
-                      <a:r>
                         <a:rPr lang="es-MX" dirty="0"/>
-                        <a:t> - 02</a:t>
+                        <a:t>RF – 02</a:t>
                       </a:r>
                       <a:endParaRPr lang="es-CO" dirty="0"/>
                     </a:p>
@@ -7014,7 +7001,7 @@
                     <a:p>
                       <a:r>
                         <a:rPr lang="es-MX" dirty="0"/>
-                        <a:t>Simulación de experimentos</a:t>
+                        <a:t>Captura de datos en tiempo real con sensores del dispositivo</a:t>
                       </a:r>
                       <a:endParaRPr lang="es-CO" dirty="0"/>
                     </a:p>
@@ -7028,7 +7015,7 @@
                     <a:p>
                       <a:r>
                         <a:rPr lang="es-MX" dirty="0"/>
-                        <a:t>La aplicación debe de ofrecer una variedad de simulaciones interactivas de experimentos físicos basados en modelos matemáticos precisos.</a:t>
+                        <a:t>La aplicación debe utilizar sensores nativos (acelerómetro, giroscopio y cámara) para capturar datos físicos durante las simulaciones.</a:t>
                       </a:r>
                       <a:endParaRPr lang="es-CO" dirty="0"/>
                     </a:p>
@@ -7042,7 +7029,7 @@
                     <a:p>
                       <a:r>
                         <a:rPr lang="es-MX" dirty="0"/>
-                        <a:t>Docentes, estudiantes, IT</a:t>
+                        <a:t>Estudiantes, Equipo de Desarrollo, Arquitectos del Sistema</a:t>
                       </a:r>
                       <a:endParaRPr lang="es-CO" dirty="0"/>
                     </a:p>
@@ -7062,12 +7049,8 @@
                     <a:lstStyle/>
                     <a:p>
                       <a:r>
-                        <a:rPr lang="es-MX" dirty="0" err="1"/>
-                        <a:t>Req</a:t>
-                      </a:r>
-                      <a:r>
                         <a:rPr lang="es-MX" dirty="0"/>
-                        <a:t> - 03</a:t>
+                        <a:t>RF – 03</a:t>
                       </a:r>
                       <a:endParaRPr lang="es-CO" dirty="0"/>
                     </a:p>
@@ -7080,8 +7063,21 @@
                     <a:lstStyle/>
                     <a:p>
                       <a:r>
+                        <a:rPr lang="es-CO" dirty="0"/>
+                        <a:t>Visualización gráfica de resultados</a:t>
+                      </a:r>
+                    </a:p>
+                  </a:txBody>
+                  <a:tcPr/>
+                </a:tc>
+                <a:tc>
+                  <a:txBody>
+                    <a:bodyPr/>
+                    <a:lstStyle/>
+                    <a:p>
+                      <a:r>
                         <a:rPr lang="es-MX" dirty="0"/>
-                        <a:t>Uso de sensores del móvil</a:t>
+                        <a:t>El sistema debe generar gráficas y estadísticas en tiempo real (por ejemplo, velocidad vs tiempo) basadas en los datos capturados durante las simulaciones.</a:t>
                       </a:r>
                       <a:endParaRPr lang="es-CO" dirty="0"/>
                     </a:p>
@@ -7094,32 +7090,9 @@
                     <a:lstStyle/>
                     <a:p>
                       <a:r>
-                        <a:rPr lang="es-MX" dirty="0"/>
-                        <a:t>La aplicación debe de integrar los sensores del dispositivo (acelerómetro, giroscopio, </a:t>
-                      </a:r>
-                      <a:r>
-                        <a:rPr lang="es-MX" dirty="0" err="1"/>
-                        <a:t>etc</a:t>
-                      </a:r>
-                      <a:r>
-                        <a:rPr lang="es-MX" dirty="0"/>
-                        <a:t>), para la toma de datos en tiempo real durante los experimentos.</a:t>
-                      </a:r>
-                      <a:endParaRPr lang="es-CO" dirty="0"/>
-                    </a:p>
-                  </a:txBody>
-                  <a:tcPr/>
-                </a:tc>
-                <a:tc>
-                  <a:txBody>
-                    <a:bodyPr/>
-                    <a:lstStyle/>
-                    <a:p>
-                      <a:r>
-                        <a:rPr lang="es-MX" dirty="0"/>
-                        <a:t>IT, docentes, estudiantes</a:t>
-                      </a:r>
-                      <a:endParaRPr lang="es-CO" dirty="0"/>
+                        <a:rPr lang="es-CO" dirty="0"/>
+                        <a:t>Estudiantes, Docentes, Investigadores Educativos</a:t>
+                      </a:r>
                     </a:p>
                   </a:txBody>
                   <a:tcPr/>
@@ -7179,14 +7152,14 @@
           <p:nvPr>
             <p:extLst>
               <p:ext uri="{D42A27DB-BD31-4B8C-83A1-F6EECF244321}">
-                <p14:modId xmlns:p14="http://schemas.microsoft.com/office/powerpoint/2010/main" val="378160186"/>
+                <p14:modId xmlns:p14="http://schemas.microsoft.com/office/powerpoint/2010/main" val="855886780"/>
               </p:ext>
             </p:extLst>
           </p:nvPr>
         </p:nvGraphicFramePr>
         <p:xfrm>
           <a:off x="240632" y="1643380"/>
-          <a:ext cx="11710736" cy="3022600"/>
+          <a:ext cx="11710736" cy="2748280"/>
         </p:xfrm>
         <a:graphic>
           <a:graphicData uri="http://schemas.openxmlformats.org/drawingml/2006/table">
@@ -7294,12 +7267,8 @@
                     <a:lstStyle/>
                     <a:p>
                       <a:r>
-                        <a:rPr lang="es-MX" dirty="0" err="1"/>
-                        <a:t>Req</a:t>
-                      </a:r>
-                      <a:r>
                         <a:rPr lang="es-MX" dirty="0"/>
-                        <a:t> – 04</a:t>
+                        <a:t>RF – 04</a:t>
                       </a:r>
                       <a:endParaRPr lang="es-CO" dirty="0"/>
                     </a:p>
@@ -7313,7 +7282,7 @@
                     <a:p>
                       <a:r>
                         <a:rPr lang="es-MX" dirty="0"/>
-                        <a:t>Registro de resultados</a:t>
+                        <a:t>Interfaz de usuario intuitiva y accesible</a:t>
                       </a:r>
                       <a:endParaRPr lang="es-CO" dirty="0"/>
                     </a:p>
@@ -7327,7 +7296,7 @@
                     <a:p>
                       <a:r>
                         <a:rPr lang="es-MX" dirty="0"/>
-                        <a:t>Los usuarios deben poder registrar y exportar los resultados de sus experimentos en formatos PDF o CSV.</a:t>
+                        <a:t>La app debe tener una interfaz amigable, fácil de navegar y adaptada a diferentes niveles de alfabetización digital.</a:t>
                       </a:r>
                       <a:endParaRPr lang="es-CO" dirty="0"/>
                     </a:p>
@@ -7341,7 +7310,7 @@
                     <a:p>
                       <a:r>
                         <a:rPr lang="es-MX" dirty="0"/>
-                        <a:t>Estudiantes, docentes, IT</a:t>
+                        <a:t>Estudiantes, Diseñadores UX/UI, Docentes</a:t>
                       </a:r>
                       <a:endParaRPr lang="es-CO" dirty="0"/>
                     </a:p>
@@ -7361,12 +7330,8 @@
                     <a:lstStyle/>
                     <a:p>
                       <a:r>
-                        <a:rPr lang="es-MX" dirty="0" err="1"/>
-                        <a:t>Req</a:t>
-                      </a:r>
-                      <a:r>
                         <a:rPr lang="es-MX" dirty="0"/>
-                        <a:t> – 05</a:t>
+                        <a:t>RF – 05</a:t>
                       </a:r>
                       <a:endParaRPr lang="es-CO" dirty="0"/>
                     </a:p>
@@ -7380,7 +7345,7 @@
                     <a:p>
                       <a:r>
                         <a:rPr lang="es-MX" dirty="0"/>
-                        <a:t>Accesibilidad y multiplataforma</a:t>
+                        <a:t>Registro y seguimiento de experimentos por usuario</a:t>
                       </a:r>
                       <a:endParaRPr lang="es-CO" dirty="0"/>
                     </a:p>
@@ -7394,15 +7359,7 @@
                     <a:p>
                       <a:r>
                         <a:rPr lang="es-MX" dirty="0"/>
-                        <a:t>La aplicación debe de ser accesible tanto en dispositivos Android como en IOS, con una interfaz optimizada para </a:t>
-                      </a:r>
-                      <a:r>
-                        <a:rPr lang="es-MX" dirty="0" err="1"/>
-                        <a:t>tablets</a:t>
-                      </a:r>
-                      <a:r>
-                        <a:rPr lang="es-MX" dirty="0"/>
-                        <a:t> y smartphones.</a:t>
+                        <a:t>La aplicación debe permitir que cada estudiante tenga un historial de experimentos realizados y resultados obtenidos.</a:t>
                       </a:r>
                       <a:endParaRPr lang="es-CO" dirty="0"/>
                     </a:p>
@@ -7415,10 +7372,9 @@
                     <a:lstStyle/>
                     <a:p>
                       <a:r>
-                        <a:rPr lang="es-MX" dirty="0"/>
-                        <a:t>IT, PM, QA, docentes.</a:t>
-                      </a:r>
-                      <a:endParaRPr lang="es-CO" dirty="0"/>
+                        <a:rPr lang="es-CO" dirty="0"/>
+                        <a:t>Estudiantes, Docentes, Instituciones Educativas</a:t>
+                      </a:r>
                     </a:p>
                   </a:txBody>
                   <a:tcPr/>
@@ -7507,14 +7463,14 @@
           <p:nvPr>
             <p:extLst>
               <p:ext uri="{D42A27DB-BD31-4B8C-83A1-F6EECF244321}">
-                <p14:modId xmlns:p14="http://schemas.microsoft.com/office/powerpoint/2010/main" val="2064970871"/>
+                <p14:modId xmlns:p14="http://schemas.microsoft.com/office/powerpoint/2010/main" val="1771287553"/>
               </p:ext>
             </p:extLst>
           </p:nvPr>
         </p:nvGraphicFramePr>
         <p:xfrm>
-          <a:off x="838199" y="1690688"/>
-          <a:ext cx="10515600" cy="4485640"/>
+          <a:off x="646111" y="1275080"/>
+          <a:ext cx="10899777" cy="4759960"/>
         </p:xfrm>
         <a:graphic>
           <a:graphicData uri="http://schemas.openxmlformats.org/drawingml/2006/table">
@@ -7523,35 +7479,35 @@
                 <a:tableStyleId>{5C22544A-7EE6-4342-B048-85BDC9FD1C3A}</a:tableStyleId>
               </a:tblPr>
               <a:tblGrid>
-                <a:gridCol w="1134980">
+                <a:gridCol w="1176445">
                   <a:extLst>
                     <a:ext uri="{9D8B030D-6E8A-4147-A177-3AD203B41FA5}">
                       <a16:colId xmlns:a16="http://schemas.microsoft.com/office/drawing/2014/main" val="9947619"/>
                     </a:ext>
                   </a:extLst>
                 </a:gridCol>
-                <a:gridCol w="2342147">
+                <a:gridCol w="2111347">
                   <a:extLst>
                     <a:ext uri="{9D8B030D-6E8A-4147-A177-3AD203B41FA5}">
                       <a16:colId xmlns:a16="http://schemas.microsoft.com/office/drawing/2014/main" val="933912150"/>
                     </a:ext>
                   </a:extLst>
                 </a:gridCol>
-                <a:gridCol w="2832233">
+                <a:gridCol w="3252074">
                   <a:extLst>
                     <a:ext uri="{9D8B030D-6E8A-4147-A177-3AD203B41FA5}">
                       <a16:colId xmlns:a16="http://schemas.microsoft.com/office/drawing/2014/main" val="2591111966"/>
                     </a:ext>
                   </a:extLst>
                 </a:gridCol>
-                <a:gridCol w="2493746">
+                <a:gridCol w="2584853">
                   <a:extLst>
                     <a:ext uri="{9D8B030D-6E8A-4147-A177-3AD203B41FA5}">
                       <a16:colId xmlns:a16="http://schemas.microsoft.com/office/drawing/2014/main" val="1767425406"/>
                     </a:ext>
                   </a:extLst>
                 </a:gridCol>
-                <a:gridCol w="1712494">
+                <a:gridCol w="1775058">
                   <a:extLst>
                     <a:ext uri="{9D8B030D-6E8A-4147-A177-3AD203B41FA5}">
                       <a16:colId xmlns:a16="http://schemas.microsoft.com/office/drawing/2014/main" val="415717326"/>
@@ -7657,8 +7613,21 @@
                     <a:lstStyle/>
                     <a:p>
                       <a:r>
+                        <a:rPr lang="es-CO" dirty="0"/>
+                        <a:t>Rendimiento</a:t>
+                      </a:r>
+                    </a:p>
+                  </a:txBody>
+                  <a:tcPr/>
+                </a:tc>
+                <a:tc>
+                  <a:txBody>
+                    <a:bodyPr/>
+                    <a:lstStyle/>
+                    <a:p>
+                      <a:r>
                         <a:rPr lang="es-MX" dirty="0"/>
-                        <a:t>Tiempo de respuesta</a:t>
+                        <a:t>La aplicación debe ejecutar simulaciones de forma fluida, sin retardos perceptibles para el usuario.</a:t>
                       </a:r>
                       <a:endParaRPr lang="es-CO" dirty="0"/>
                     </a:p>
@@ -7672,26 +7641,16 @@
                     <a:p>
                       <a:r>
                         <a:rPr lang="es-MX" dirty="0"/>
-                        <a:t>El sistema debe de mostrar los resultados de las simulaciones en un tiempo menor a 2 segundos.</a:t>
-                      </a:r>
-                      <a:endParaRPr lang="es-CO" dirty="0"/>
-                    </a:p>
-                  </a:txBody>
-                  <a:tcPr/>
-                </a:tc>
-                <a:tc>
-                  <a:txBody>
-                    <a:bodyPr/>
-                    <a:lstStyle/>
-                    <a:p>
-                      <a:r>
-                        <a:rPr lang="es-MX" dirty="0"/>
-                        <a:t>&lt;= 2 </a:t>
+                        <a:t>&lt;2 </a:t>
                       </a:r>
                       <a:r>
                         <a:rPr lang="es-MX" dirty="0" err="1"/>
                         <a:t>seg</a:t>
                       </a:r>
+                      <a:r>
+                        <a:rPr lang="es-MX" dirty="0"/>
+                        <a:t>.</a:t>
+                      </a:r>
                       <a:endParaRPr lang="es-CO" dirty="0"/>
                     </a:p>
                   </a:txBody>
@@ -7703,10 +7662,9 @@
                     <a:lstStyle/>
                     <a:p>
                       <a:r>
-                        <a:rPr lang="es-MX" dirty="0"/>
-                        <a:t>IT, QA, PM</a:t>
-                      </a:r>
-                      <a:endParaRPr lang="es-CO" dirty="0"/>
+                        <a:rPr lang="es-CO" dirty="0"/>
+                        <a:t>Estudiantes, Equipo de Desarrollo, Arquitectos</a:t>
+                      </a:r>
                     </a:p>
                   </a:txBody>
                   <a:tcPr/>
@@ -7738,8 +7696,21 @@
                     <a:lstStyle/>
                     <a:p>
                       <a:r>
+                        <a:rPr lang="es-CO" dirty="0"/>
+                        <a:t>Compatibilidad multiplataforma</a:t>
+                      </a:r>
+                    </a:p>
+                  </a:txBody>
+                  <a:tcPr/>
+                </a:tc>
+                <a:tc>
+                  <a:txBody>
+                    <a:bodyPr/>
+                    <a:lstStyle/>
+                    <a:p>
+                      <a:r>
                         <a:rPr lang="es-MX" dirty="0"/>
-                        <a:t>Disponibilidad </a:t>
+                        <a:t>La aplicación debe funcionar correctamente en dispositivos Android e iOS con versiones comunes en instituciones educativas.</a:t>
                       </a:r>
                       <a:endParaRPr lang="es-CO" dirty="0"/>
                     </a:p>
@@ -7752,8 +7723,20 @@
                     <a:lstStyle/>
                     <a:p>
                       <a:r>
-                        <a:rPr lang="es-MX" dirty="0"/>
-                        <a:t>La aplicación debe de estar disponible al menos el 99% del tiempo en un mes.</a:t>
+                        <a:rPr lang="pt-BR" dirty="0" err="1"/>
+                        <a:t>Soporte</a:t>
+                      </a:r>
+                      <a:r>
+                        <a:rPr lang="pt-BR" dirty="0"/>
+                        <a:t> </a:t>
+                      </a:r>
+                      <a:r>
+                        <a:rPr lang="pt-BR" dirty="0" err="1"/>
+                        <a:t>garantizado</a:t>
+                      </a:r>
+                      <a:r>
+                        <a:rPr lang="pt-BR" dirty="0"/>
+                        <a:t> para Android 8+ e iOS 13+</a:t>
                       </a:r>
                       <a:endParaRPr lang="es-CO" dirty="0"/>
                     </a:p>
@@ -7766,32 +7749,9 @@
                     <a:lstStyle/>
                     <a:p>
                       <a:r>
-                        <a:rPr lang="es-MX" dirty="0"/>
-                        <a:t>&gt;= 99% </a:t>
-                      </a:r>
-                      <a:r>
-                        <a:rPr lang="es-MX" dirty="0" err="1"/>
-                        <a:t>uptime</a:t>
-                      </a:r>
-                      <a:r>
-                        <a:rPr lang="es-MX" dirty="0"/>
-                        <a:t>.</a:t>
-                      </a:r>
-                      <a:endParaRPr lang="es-CO" dirty="0"/>
-                    </a:p>
-                  </a:txBody>
-                  <a:tcPr/>
-                </a:tc>
-                <a:tc>
-                  <a:txBody>
-                    <a:bodyPr/>
-                    <a:lstStyle/>
-                    <a:p>
-                      <a:r>
-                        <a:rPr lang="es-MX" dirty="0"/>
-                        <a:t>IT, QA, PM</a:t>
-                      </a:r>
-                      <a:endParaRPr lang="es-CO" dirty="0"/>
+                        <a:rPr lang="es-CO" dirty="0"/>
+                        <a:t>Estudiantes, Docentes, Instituciones Educativas</a:t>
+                      </a:r>
                     </a:p>
                   </a:txBody>
                   <a:tcPr/>
@@ -7823,8 +7783,21 @@
                     <a:lstStyle/>
                     <a:p>
                       <a:r>
+                        <a:rPr lang="es-CO" dirty="0"/>
+                        <a:t>Accesibilidad offline</a:t>
+                      </a:r>
+                    </a:p>
+                  </a:txBody>
+                  <a:tcPr/>
+                </a:tc>
+                <a:tc>
+                  <a:txBody>
+                    <a:bodyPr/>
+                    <a:lstStyle/>
+                    <a:p>
+                      <a:r>
                         <a:rPr lang="es-MX" dirty="0"/>
-                        <a:t>Seguridad</a:t>
+                        <a:t>La aplicación debe permitir realizar simulaciones sin conexión a internet, una vez descargada.</a:t>
                       </a:r>
                       <a:endParaRPr lang="es-CO" dirty="0"/>
                     </a:p>
@@ -7838,7 +7811,7 @@
                     <a:p>
                       <a:r>
                         <a:rPr lang="es-MX" dirty="0"/>
-                        <a:t>Los datos de los usuarios deben de estar cifrados y la autenticación debe cumplir con OAuth 2,0.</a:t>
+                        <a:t>&gt;= 80% de las funcionalidades deben estar disponibles offline</a:t>
                       </a:r>
                       <a:endParaRPr lang="es-CO" dirty="0"/>
                     </a:p>
@@ -7851,24 +7824,9 @@
                     <a:lstStyle/>
                     <a:p>
                       <a:r>
-                        <a:rPr lang="es-MX" dirty="0"/>
-                        <a:t>Cifrado AES- 256, OAuth 2,0.</a:t>
-                      </a:r>
-                      <a:endParaRPr lang="es-CO" dirty="0"/>
-                    </a:p>
-                  </a:txBody>
-                  <a:tcPr/>
-                </a:tc>
-                <a:tc>
-                  <a:txBody>
-                    <a:bodyPr/>
-                    <a:lstStyle/>
-                    <a:p>
-                      <a:r>
-                        <a:rPr lang="es-MX" dirty="0"/>
-                        <a:t>IT, SEC</a:t>
-                      </a:r>
-                      <a:endParaRPr lang="es-CO" dirty="0"/>
+                        <a:rPr lang="es-CO" dirty="0"/>
+                        <a:t>Estudiantes, Docentes, ONG Educativas</a:t>
+                      </a:r>
                     </a:p>
                   </a:txBody>
                   <a:tcPr/>
@@ -7928,14 +7886,14 @@
           <p:nvPr>
             <p:extLst>
               <p:ext uri="{D42A27DB-BD31-4B8C-83A1-F6EECF244321}">
-                <p14:modId xmlns:p14="http://schemas.microsoft.com/office/powerpoint/2010/main" val="2815591069"/>
+                <p14:modId xmlns:p14="http://schemas.microsoft.com/office/powerpoint/2010/main" val="2976440729"/>
               </p:ext>
             </p:extLst>
           </p:nvPr>
         </p:nvGraphicFramePr>
         <p:xfrm>
           <a:off x="838199" y="1690688"/>
-          <a:ext cx="10515600" cy="3022600"/>
+          <a:ext cx="10515600" cy="3571240"/>
         </p:xfrm>
         <a:graphic>
           <a:graphicData uri="http://schemas.openxmlformats.org/drawingml/2006/table">
@@ -8093,7 +8051,7 @@
                     <a:p>
                       <a:r>
                         <a:rPr lang="es-MX" dirty="0"/>
-                        <a:t>La interfaz debe de ser intuitiva  y accesible para usuarios sin conocimientos previos en simulaciones.</a:t>
+                        <a:t>La interfaz debe ser intuitiva y fácil de usar para estudiantes de diversos niveles educativos.</a:t>
                       </a:r>
                       <a:endParaRPr lang="es-CO" dirty="0"/>
                     </a:p>
@@ -8107,7 +8065,7 @@
                     <a:p>
                       <a:r>
                         <a:rPr lang="es-MX" dirty="0"/>
-                        <a:t>Evaluación con usuarios (&gt;= 80% de satisfacción).</a:t>
+                        <a:t>Pruebas de usabilidad con resultados de satisfacción ≥ 80%.</a:t>
                       </a:r>
                       <a:endParaRPr lang="es-CO" dirty="0"/>
                     </a:p>
@@ -8121,7 +8079,7 @@
                     <a:p>
                       <a:r>
                         <a:rPr lang="es-MX" dirty="0"/>
-                        <a:t>Docentes, estudiantes, QA.</a:t>
+                        <a:t>Estudiantes, Docentes, Diseñadores UX/UI</a:t>
                       </a:r>
                       <a:endParaRPr lang="es-CO" dirty="0"/>
                     </a:p>
@@ -8155,8 +8113,21 @@
                     <a:lstStyle/>
                     <a:p>
                       <a:r>
+                        <a:rPr lang="es-CO" dirty="0"/>
+                        <a:t>Escalabilidad</a:t>
+                      </a:r>
+                    </a:p>
+                  </a:txBody>
+                  <a:tcPr/>
+                </a:tc>
+                <a:tc>
+                  <a:txBody>
+                    <a:bodyPr/>
+                    <a:lstStyle/>
+                    <a:p>
+                      <a:r>
                         <a:rPr lang="es-MX" dirty="0"/>
-                        <a:t>Compatibilidad </a:t>
+                        <a:t>El sistema debe permitir la incorporación futura de nuevos módulos de simulación y conexión con plataformas académicas.</a:t>
                       </a:r>
                       <a:endParaRPr lang="es-CO" dirty="0"/>
                     </a:p>
@@ -8170,7 +8141,7 @@
                     <a:p>
                       <a:r>
                         <a:rPr lang="es-MX" dirty="0"/>
-                        <a:t>La aplicación debe de ejecutarse en dispositivos Android 8+ e iOS 14+.</a:t>
+                        <a:t>Capacidad de integrar al menos 3 nuevos módulos sin reestructuración mayor.</a:t>
                       </a:r>
                       <a:endParaRPr lang="es-CO" dirty="0"/>
                     </a:p>
@@ -8184,21 +8155,7 @@
                     <a:p>
                       <a:r>
                         <a:rPr lang="es-MX" dirty="0"/>
-                        <a:t>Android 8+ e iOS 14+.</a:t>
-                      </a:r>
-                      <a:endParaRPr lang="es-CO" dirty="0"/>
-                    </a:p>
-                  </a:txBody>
-                  <a:tcPr/>
-                </a:tc>
-                <a:tc>
-                  <a:txBody>
-                    <a:bodyPr/>
-                    <a:lstStyle/>
-                    <a:p>
-                      <a:r>
-                        <a:rPr lang="es-MX" dirty="0"/>
-                        <a:t>IT, QA, PM</a:t>
+                        <a:t>Equipo de Desarrollo, Arquitectos, Ministerios de Educación</a:t>
                       </a:r>
                       <a:endParaRPr lang="es-CO" dirty="0"/>
                     </a:p>
@@ -8276,10 +8233,10 @@
       </p:sp>
       <p:graphicFrame>
         <p:nvGraphicFramePr>
-          <p:cNvPr id="6" name="Tabla 5">
+          <p:cNvPr id="3" name="Tabla 2">
             <a:extLst>
               <a:ext uri="{FF2B5EF4-FFF2-40B4-BE49-F238E27FC236}">
-                <a16:creationId xmlns:a16="http://schemas.microsoft.com/office/drawing/2014/main" id="{66ACADAB-3789-0927-5528-6503D5AE05B2}"/>
+                <a16:creationId xmlns:a16="http://schemas.microsoft.com/office/drawing/2014/main" id="{92BE8A94-9DAC-4705-61E0-1EAAF2B9D71C}"/>
               </a:ext>
             </a:extLst>
           </p:cNvPr>
@@ -8289,14 +8246,14 @@
           <p:nvPr>
             <p:extLst>
               <p:ext uri="{D42A27DB-BD31-4B8C-83A1-F6EECF244321}">
-                <p14:modId xmlns:p14="http://schemas.microsoft.com/office/powerpoint/2010/main" val="608915458"/>
+                <p14:modId xmlns:p14="http://schemas.microsoft.com/office/powerpoint/2010/main" val="1411841340"/>
               </p:ext>
             </p:extLst>
           </p:nvPr>
         </p:nvGraphicFramePr>
         <p:xfrm>
-          <a:off x="646111" y="1558962"/>
-          <a:ext cx="10899778" cy="4846320"/>
+          <a:off x="646111" y="1409476"/>
+          <a:ext cx="11160879" cy="2763520"/>
         </p:xfrm>
         <a:graphic>
           <a:graphicData uri="http://schemas.openxmlformats.org/drawingml/2006/table">
@@ -8305,38 +8262,52 @@
                 <a:tableStyleId>{5C22544A-7EE6-4342-B048-85BDC9FD1C3A}</a:tableStyleId>
               </a:tblPr>
               <a:tblGrid>
-                <a:gridCol w="1169556">
+                <a:gridCol w="1785943">
                   <a:extLst>
                     <a:ext uri="{9D8B030D-6E8A-4147-A177-3AD203B41FA5}">
-                      <a16:colId xmlns:a16="http://schemas.microsoft.com/office/drawing/2014/main" val="910753519"/>
+                      <a16:colId xmlns:a16="http://schemas.microsoft.com/office/drawing/2014/main" val="1521288625"/>
                     </a:ext>
                   </a:extLst>
                 </a:gridCol>
-                <a:gridCol w="2515701">
+                <a:gridCol w="1402880">
                   <a:extLst>
                     <a:ext uri="{9D8B030D-6E8A-4147-A177-3AD203B41FA5}">
-                      <a16:colId xmlns:a16="http://schemas.microsoft.com/office/drawing/2014/main" val="1588073553"/>
+                      <a16:colId xmlns:a16="http://schemas.microsoft.com/office/drawing/2014/main" val="1189471262"/>
                     </a:ext>
                   </a:extLst>
                 </a:gridCol>
-                <a:gridCol w="3522334">
+                <a:gridCol w="1594411">
                   <a:extLst>
                     <a:ext uri="{9D8B030D-6E8A-4147-A177-3AD203B41FA5}">
-                      <a16:colId xmlns:a16="http://schemas.microsoft.com/office/drawing/2014/main" val="3767480170"/>
+                      <a16:colId xmlns:a16="http://schemas.microsoft.com/office/drawing/2014/main" val="503145184"/>
                     </a:ext>
                   </a:extLst>
                 </a:gridCol>
-                <a:gridCol w="1904179">
+                <a:gridCol w="1667801">
                   <a:extLst>
                     <a:ext uri="{9D8B030D-6E8A-4147-A177-3AD203B41FA5}">
-                      <a16:colId xmlns:a16="http://schemas.microsoft.com/office/drawing/2014/main" val="131509763"/>
+                      <a16:colId xmlns:a16="http://schemas.microsoft.com/office/drawing/2014/main" val="287915663"/>
                     </a:ext>
                   </a:extLst>
                 </a:gridCol>
-                <a:gridCol w="1788008">
+                <a:gridCol w="2020445">
                   <a:extLst>
                     <a:ext uri="{9D8B030D-6E8A-4147-A177-3AD203B41FA5}">
-                      <a16:colId xmlns:a16="http://schemas.microsoft.com/office/drawing/2014/main" val="498345822"/>
+                      <a16:colId xmlns:a16="http://schemas.microsoft.com/office/drawing/2014/main" val="476749385"/>
+                    </a:ext>
+                  </a:extLst>
+                </a:gridCol>
+                <a:gridCol w="1856180">
+                  <a:extLst>
+                    <a:ext uri="{9D8B030D-6E8A-4147-A177-3AD203B41FA5}">
+                      <a16:colId xmlns:a16="http://schemas.microsoft.com/office/drawing/2014/main" val="2325544445"/>
+                    </a:ext>
+                  </a:extLst>
+                </a:gridCol>
+                <a:gridCol w="833219">
+                  <a:extLst>
+                    <a:ext uri="{9D8B030D-6E8A-4147-A177-3AD203B41FA5}">
+                      <a16:colId xmlns:a16="http://schemas.microsoft.com/office/drawing/2014/main" val="1766452609"/>
                     </a:ext>
                   </a:extLst>
                 </a:gridCol>
@@ -8349,7 +8320,7 @@
                     <a:p>
                       <a:r>
                         <a:rPr lang="es-MX" dirty="0"/>
-                        <a:t>ID</a:t>
+                        <a:t>STAKEHOLDER</a:t>
                       </a:r>
                       <a:endParaRPr lang="es-CO" dirty="0"/>
                     </a:p>
@@ -8363,7 +8334,7 @@
                     <a:p>
                       <a:r>
                         <a:rPr lang="es-MX" dirty="0"/>
-                        <a:t>ATRIBUTO DE CALIDAD (ISO 25010)</a:t>
+                        <a:t>Usabilidad</a:t>
                       </a:r>
                       <a:endParaRPr lang="es-CO" dirty="0"/>
                     </a:p>
@@ -8377,7 +8348,7 @@
                     <a:p>
                       <a:r>
                         <a:rPr lang="es-MX" dirty="0"/>
-                        <a:t>DESCRIPCION DEL NFR</a:t>
+                        <a:t>Fiabilidad</a:t>
                       </a:r>
                       <a:endParaRPr lang="es-CO" dirty="0"/>
                     </a:p>
@@ -8391,7 +8362,7 @@
                     <a:p>
                       <a:r>
                         <a:rPr lang="es-MX" dirty="0"/>
-                        <a:t>STAKEHOLDERS</a:t>
+                        <a:t>Rendimiento y eficiencia</a:t>
                       </a:r>
                       <a:endParaRPr lang="es-CO" dirty="0"/>
                     </a:p>
@@ -8404,17 +8375,45 @@
                     <a:lstStyle/>
                     <a:p>
                       <a:r>
-                        <a:rPr lang="es-MX" b="1" dirty="0"/>
-                        <a:t>% ASIGNADO</a:t>
-                      </a:r>
-                      <a:endParaRPr lang="es-CO" b="1" dirty="0"/>
+                        <a:rPr lang="es-MX" dirty="0"/>
+                        <a:t>Compatibilidad</a:t>
+                      </a:r>
+                      <a:endParaRPr lang="es-CO" dirty="0"/>
+                    </a:p>
+                  </a:txBody>
+                  <a:tcPr/>
+                </a:tc>
+                <a:tc>
+                  <a:txBody>
+                    <a:bodyPr/>
+                    <a:lstStyle/>
+                    <a:p>
+                      <a:r>
+                        <a:rPr lang="es-MX" dirty="0"/>
+                        <a:t>Mantenibilidad</a:t>
+                      </a:r>
+                      <a:endParaRPr lang="es-CO" dirty="0"/>
+                    </a:p>
+                  </a:txBody>
+                  <a:tcPr/>
+                </a:tc>
+                <a:tc>
+                  <a:txBody>
+                    <a:bodyPr/>
+                    <a:lstStyle/>
+                    <a:p>
+                      <a:r>
+                        <a:rPr lang="es-MX" dirty="0"/>
+                        <a:t>total</a:t>
+                      </a:r>
+                      <a:endParaRPr lang="es-CO" dirty="0"/>
                     </a:p>
                   </a:txBody>
                   <a:tcPr/>
                 </a:tc>
                 <a:extLst>
                   <a:ext uri="{0D108BD9-81ED-4DB2-BD59-A6C34878D82A}">
-                    <a16:rowId xmlns:a16="http://schemas.microsoft.com/office/drawing/2014/main" val="3448519507"/>
+                    <a16:rowId xmlns:a16="http://schemas.microsoft.com/office/drawing/2014/main" val="837661927"/>
                   </a:ext>
                 </a:extLst>
               </a:tr>
@@ -8426,7 +8425,7 @@
                     <a:p>
                       <a:r>
                         <a:rPr lang="es-MX" dirty="0"/>
-                        <a:t>NFR - 01</a:t>
+                        <a:t>Estudiantes </a:t>
                       </a:r>
                       <a:endParaRPr lang="es-CO" dirty="0"/>
                     </a:p>
@@ -8440,10 +8439,8 @@
                     <a:p>
                       <a:r>
                         <a:rPr lang="es-MX" dirty="0"/>
-                        <a:t>Desempeño </a:t>
-                      </a:r>
-                    </a:p>
-                    <a:p>
+                        <a:t>35</a:t>
+                      </a:r>
                       <a:endParaRPr lang="es-CO" dirty="0"/>
                     </a:p>
                   </a:txBody>
@@ -8456,7 +8453,7 @@
                     <a:p>
                       <a:r>
                         <a:rPr lang="es-MX" dirty="0"/>
-                        <a:t>El sistema debe cargar las paginas de 3 a 5 segundos como máximo tras hacer click</a:t>
+                        <a:t>25</a:t>
                       </a:r>
                       <a:endParaRPr lang="es-CO" dirty="0"/>
                     </a:p>
@@ -8470,7 +8467,7 @@
                     <a:p>
                       <a:r>
                         <a:rPr lang="es-MX" dirty="0"/>
-                        <a:t>IT Manager</a:t>
+                        <a:t>25</a:t>
                       </a:r>
                       <a:endParaRPr lang="es-CO" dirty="0"/>
                     </a:p>
@@ -8484,7 +8481,35 @@
                     <a:p>
                       <a:r>
                         <a:rPr lang="es-MX" dirty="0"/>
-                        <a:t>30%</a:t>
+                        <a:t>10</a:t>
+                      </a:r>
+                      <a:endParaRPr lang="es-CO" dirty="0"/>
+                    </a:p>
+                  </a:txBody>
+                  <a:tcPr/>
+                </a:tc>
+                <a:tc>
+                  <a:txBody>
+                    <a:bodyPr/>
+                    <a:lstStyle/>
+                    <a:p>
+                      <a:r>
+                        <a:rPr lang="es-MX" dirty="0"/>
+                        <a:t>5</a:t>
+                      </a:r>
+                      <a:endParaRPr lang="es-CO" dirty="0"/>
+                    </a:p>
+                  </a:txBody>
+                  <a:tcPr/>
+                </a:tc>
+                <a:tc>
+                  <a:txBody>
+                    <a:bodyPr/>
+                    <a:lstStyle/>
+                    <a:p>
+                      <a:r>
+                        <a:rPr lang="es-MX" dirty="0"/>
+                        <a:t>100</a:t>
                       </a:r>
                       <a:endParaRPr lang="es-CO" dirty="0"/>
                     </a:p>
@@ -8493,7 +8518,7 @@
                 </a:tc>
                 <a:extLst>
                   <a:ext uri="{0D108BD9-81ED-4DB2-BD59-A6C34878D82A}">
-                    <a16:rowId xmlns:a16="http://schemas.microsoft.com/office/drawing/2014/main" val="2170541271"/>
+                    <a16:rowId xmlns:a16="http://schemas.microsoft.com/office/drawing/2014/main" val="3485608684"/>
                   </a:ext>
                 </a:extLst>
               </a:tr>
@@ -8505,7 +8530,7 @@
                     <a:p>
                       <a:r>
                         <a:rPr lang="es-MX" dirty="0"/>
-                        <a:t>NFR – 02</a:t>
+                        <a:t>Docentes </a:t>
                       </a:r>
                       <a:endParaRPr lang="es-CO" dirty="0"/>
                     </a:p>
@@ -8519,7 +8544,7 @@
                     <a:p>
                       <a:r>
                         <a:rPr lang="es-MX" dirty="0"/>
-                        <a:t>Seguridad </a:t>
+                        <a:t>40</a:t>
                       </a:r>
                       <a:endParaRPr lang="es-CO" dirty="0"/>
                     </a:p>
@@ -8533,7 +8558,7 @@
                     <a:p>
                       <a:r>
                         <a:rPr lang="es-MX" dirty="0"/>
-                        <a:t>Debe contar con autenticación segura y cifrado de contraseñas</a:t>
+                        <a:t>30</a:t>
                       </a:r>
                       <a:endParaRPr lang="es-CO" dirty="0"/>
                     </a:p>
@@ -8547,7 +8572,7 @@
                     <a:p>
                       <a:r>
                         <a:rPr lang="es-MX" dirty="0"/>
-                        <a:t>Security </a:t>
+                        <a:t>15</a:t>
                       </a:r>
                       <a:endParaRPr lang="es-CO" dirty="0"/>
                     </a:p>
@@ -8561,7 +8586,35 @@
                     <a:p>
                       <a:r>
                         <a:rPr lang="es-MX" dirty="0"/>
-                        <a:t>30%</a:t>
+                        <a:t>10</a:t>
+                      </a:r>
+                      <a:endParaRPr lang="es-CO" dirty="0"/>
+                    </a:p>
+                  </a:txBody>
+                  <a:tcPr/>
+                </a:tc>
+                <a:tc>
+                  <a:txBody>
+                    <a:bodyPr/>
+                    <a:lstStyle/>
+                    <a:p>
+                      <a:r>
+                        <a:rPr lang="es-MX" dirty="0"/>
+                        <a:t>5</a:t>
+                      </a:r>
+                      <a:endParaRPr lang="es-CO" dirty="0"/>
+                    </a:p>
+                  </a:txBody>
+                  <a:tcPr/>
+                </a:tc>
+                <a:tc>
+                  <a:txBody>
+                    <a:bodyPr/>
+                    <a:lstStyle/>
+                    <a:p>
+                      <a:r>
+                        <a:rPr lang="es-MX" dirty="0"/>
+                        <a:t>100</a:t>
                       </a:r>
                       <a:endParaRPr lang="es-CO" dirty="0"/>
                     </a:p>
@@ -8570,7 +8623,7 @@
                 </a:tc>
                 <a:extLst>
                   <a:ext uri="{0D108BD9-81ED-4DB2-BD59-A6C34878D82A}">
-                    <a16:rowId xmlns:a16="http://schemas.microsoft.com/office/drawing/2014/main" val="664045490"/>
+                    <a16:rowId xmlns:a16="http://schemas.microsoft.com/office/drawing/2014/main" val="2515529876"/>
                   </a:ext>
                 </a:extLst>
               </a:tr>
@@ -8582,7 +8635,7 @@
                     <a:p>
                       <a:r>
                         <a:rPr lang="es-MX" dirty="0"/>
-                        <a:t>NFR – 03</a:t>
+                        <a:t>Equipo de desarrollo</a:t>
                       </a:r>
                       <a:endParaRPr lang="es-CO" dirty="0"/>
                     </a:p>
@@ -8596,7 +8649,7 @@
                     <a:p>
                       <a:r>
                         <a:rPr lang="es-MX" dirty="0"/>
-                        <a:t>Mantenibilidad </a:t>
+                        <a:t>10</a:t>
                       </a:r>
                       <a:endParaRPr lang="es-CO" dirty="0"/>
                     </a:p>
@@ -8610,7 +8663,7 @@
                     <a:p>
                       <a:r>
                         <a:rPr lang="es-MX" dirty="0"/>
-                        <a:t>El sistema debe ser fácilmente desplegable y monitoreable</a:t>
+                        <a:t>10</a:t>
                       </a:r>
                       <a:endParaRPr lang="es-CO" dirty="0"/>
                     </a:p>
@@ -8624,7 +8677,7 @@
                     <a:p>
                       <a:r>
                         <a:rPr lang="es-MX" dirty="0"/>
-                        <a:t>DevOps</a:t>
+                        <a:t>20</a:t>
                       </a:r>
                       <a:endParaRPr lang="es-CO" dirty="0"/>
                     </a:p>
@@ -8638,7 +8691,35 @@
                     <a:p>
                       <a:r>
                         <a:rPr lang="es-MX" dirty="0"/>
-                        <a:t>20%</a:t>
+                        <a:t>30</a:t>
+                      </a:r>
+                      <a:endParaRPr lang="es-CO" dirty="0"/>
+                    </a:p>
+                  </a:txBody>
+                  <a:tcPr/>
+                </a:tc>
+                <a:tc>
+                  <a:txBody>
+                    <a:bodyPr/>
+                    <a:lstStyle/>
+                    <a:p>
+                      <a:r>
+                        <a:rPr lang="es-MX" dirty="0"/>
+                        <a:t>30</a:t>
+                      </a:r>
+                      <a:endParaRPr lang="es-CO" dirty="0"/>
+                    </a:p>
+                  </a:txBody>
+                  <a:tcPr/>
+                </a:tc>
+                <a:tc>
+                  <a:txBody>
+                    <a:bodyPr/>
+                    <a:lstStyle/>
+                    <a:p>
+                      <a:r>
+                        <a:rPr lang="es-MX" dirty="0"/>
+                        <a:t>100</a:t>
                       </a:r>
                       <a:endParaRPr lang="es-CO" dirty="0"/>
                     </a:p>
@@ -8647,7 +8728,7 @@
                 </a:tc>
                 <a:extLst>
                   <a:ext uri="{0D108BD9-81ED-4DB2-BD59-A6C34878D82A}">
-                    <a16:rowId xmlns:a16="http://schemas.microsoft.com/office/drawing/2014/main" val="662238271"/>
+                    <a16:rowId xmlns:a16="http://schemas.microsoft.com/office/drawing/2014/main" val="4006107084"/>
                   </a:ext>
                 </a:extLst>
               </a:tr>
@@ -8659,7 +8740,7 @@
                     <a:p>
                       <a:r>
                         <a:rPr lang="es-MX" dirty="0"/>
-                        <a:t>NFR – 04</a:t>
+                        <a:t>DevOps</a:t>
                       </a:r>
                       <a:endParaRPr lang="es-CO" dirty="0"/>
                     </a:p>
@@ -8673,7 +8754,7 @@
                     <a:p>
                       <a:r>
                         <a:rPr lang="es-MX" dirty="0"/>
-                        <a:t>Calidad </a:t>
+                        <a:t>5</a:t>
                       </a:r>
                       <a:endParaRPr lang="es-CO" dirty="0"/>
                     </a:p>
@@ -8687,7 +8768,7 @@
                     <a:p>
                       <a:r>
                         <a:rPr lang="es-MX" dirty="0"/>
-                        <a:t>La app debe de funcionar correctamente en ambientes de prueba y cumplir con el test de calidad</a:t>
+                        <a:t>10</a:t>
                       </a:r>
                       <a:endParaRPr lang="es-CO" dirty="0"/>
                     </a:p>
@@ -8700,16 +8781,8 @@
                     <a:lstStyle/>
                     <a:p>
                       <a:r>
-                        <a:rPr lang="es-MX" dirty="0" err="1"/>
-                        <a:t>Quality</a:t>
-                      </a:r>
-                      <a:r>
                         <a:rPr lang="es-MX" dirty="0"/>
-                        <a:t> </a:t>
-                      </a:r>
-                      <a:r>
-                        <a:rPr lang="es-MX" dirty="0" err="1"/>
-                        <a:t>Assurance</a:t>
+                        <a:t>25</a:t>
                       </a:r>
                       <a:endParaRPr lang="es-CO" dirty="0"/>
                     </a:p>
@@ -8723,7 +8796,35 @@
                     <a:p>
                       <a:r>
                         <a:rPr lang="es-MX" dirty="0"/>
-                        <a:t>20%</a:t>
+                        <a:t>20</a:t>
+                      </a:r>
+                      <a:endParaRPr lang="es-CO" dirty="0"/>
+                    </a:p>
+                  </a:txBody>
+                  <a:tcPr/>
+                </a:tc>
+                <a:tc>
+                  <a:txBody>
+                    <a:bodyPr/>
+                    <a:lstStyle/>
+                    <a:p>
+                      <a:r>
+                        <a:rPr lang="es-MX" dirty="0"/>
+                        <a:t>40</a:t>
+                      </a:r>
+                      <a:endParaRPr lang="es-CO" dirty="0"/>
+                    </a:p>
+                  </a:txBody>
+                  <a:tcPr/>
+                </a:tc>
+                <a:tc>
+                  <a:txBody>
+                    <a:bodyPr/>
+                    <a:lstStyle/>
+                    <a:p>
+                      <a:r>
+                        <a:rPr lang="es-MX" dirty="0"/>
+                        <a:t>100</a:t>
                       </a:r>
                       <a:endParaRPr lang="es-CO" dirty="0"/>
                     </a:p>
@@ -8732,7 +8833,302 @@
                 </a:tc>
                 <a:extLst>
                   <a:ext uri="{0D108BD9-81ED-4DB2-BD59-A6C34878D82A}">
-                    <a16:rowId xmlns:a16="http://schemas.microsoft.com/office/drawing/2014/main" val="1071359476"/>
+                    <a16:rowId xmlns:a16="http://schemas.microsoft.com/office/drawing/2014/main" val="389723376"/>
+                  </a:ext>
+                </a:extLst>
+              </a:tr>
+              <a:tr h="370840">
+                <a:tc>
+                  <a:txBody>
+                    <a:bodyPr/>
+                    <a:lstStyle/>
+                    <a:p>
+                      <a:r>
+                        <a:rPr lang="es-MX" dirty="0"/>
+                        <a:t>Entidades </a:t>
+                      </a:r>
+                      <a:endParaRPr lang="es-CO" dirty="0"/>
+                    </a:p>
+                  </a:txBody>
+                  <a:tcPr/>
+                </a:tc>
+                <a:tc>
+                  <a:txBody>
+                    <a:bodyPr/>
+                    <a:lstStyle/>
+                    <a:p>
+                      <a:r>
+                        <a:rPr lang="es-MX" dirty="0"/>
+                        <a:t>15</a:t>
+                      </a:r>
+                      <a:endParaRPr lang="es-CO" dirty="0"/>
+                    </a:p>
+                  </a:txBody>
+                  <a:tcPr/>
+                </a:tc>
+                <a:tc>
+                  <a:txBody>
+                    <a:bodyPr/>
+                    <a:lstStyle/>
+                    <a:p>
+                      <a:r>
+                        <a:rPr lang="es-MX" dirty="0"/>
+                        <a:t>30</a:t>
+                      </a:r>
+                      <a:endParaRPr lang="es-CO" dirty="0"/>
+                    </a:p>
+                  </a:txBody>
+                  <a:tcPr/>
+                </a:tc>
+                <a:tc>
+                  <a:txBody>
+                    <a:bodyPr/>
+                    <a:lstStyle/>
+                    <a:p>
+                      <a:r>
+                        <a:rPr lang="es-MX" dirty="0"/>
+                        <a:t>10</a:t>
+                      </a:r>
+                      <a:endParaRPr lang="es-CO" dirty="0"/>
+                    </a:p>
+                  </a:txBody>
+                  <a:tcPr/>
+                </a:tc>
+                <a:tc>
+                  <a:txBody>
+                    <a:bodyPr/>
+                    <a:lstStyle/>
+                    <a:p>
+                      <a:r>
+                        <a:rPr lang="es-MX" dirty="0"/>
+                        <a:t>25</a:t>
+                      </a:r>
+                      <a:endParaRPr lang="es-CO" dirty="0"/>
+                    </a:p>
+                  </a:txBody>
+                  <a:tcPr/>
+                </a:tc>
+                <a:tc>
+                  <a:txBody>
+                    <a:bodyPr/>
+                    <a:lstStyle/>
+                    <a:p>
+                      <a:r>
+                        <a:rPr lang="es-MX" dirty="0"/>
+                        <a:t>20</a:t>
+                      </a:r>
+                      <a:endParaRPr lang="es-CO" dirty="0"/>
+                    </a:p>
+                  </a:txBody>
+                  <a:tcPr/>
+                </a:tc>
+                <a:tc>
+                  <a:txBody>
+                    <a:bodyPr/>
+                    <a:lstStyle/>
+                    <a:p>
+                      <a:r>
+                        <a:rPr lang="es-MX" dirty="0"/>
+                        <a:t>100</a:t>
+                      </a:r>
+                      <a:endParaRPr lang="es-CO" dirty="0"/>
+                    </a:p>
+                  </a:txBody>
+                  <a:tcPr/>
+                </a:tc>
+                <a:extLst>
+                  <a:ext uri="{0D108BD9-81ED-4DB2-BD59-A6C34878D82A}">
+                    <a16:rowId xmlns:a16="http://schemas.microsoft.com/office/drawing/2014/main" val="501861690"/>
+                  </a:ext>
+                </a:extLst>
+              </a:tr>
+            </a:tbl>
+          </a:graphicData>
+        </a:graphic>
+      </p:graphicFrame>
+      <p:graphicFrame>
+        <p:nvGraphicFramePr>
+          <p:cNvPr id="4" name="Tabla 3">
+            <a:extLst>
+              <a:ext uri="{FF2B5EF4-FFF2-40B4-BE49-F238E27FC236}">
+                <a16:creationId xmlns:a16="http://schemas.microsoft.com/office/drawing/2014/main" id="{AB9BFEE0-739E-1041-1B84-E54660868CF2}"/>
+              </a:ext>
+            </a:extLst>
+          </p:cNvPr>
+          <p:cNvGraphicFramePr>
+            <a:graphicFrameLocks noGrp="1"/>
+          </p:cNvGraphicFramePr>
+          <p:nvPr>
+            <p:extLst>
+              <p:ext uri="{D42A27DB-BD31-4B8C-83A1-F6EECF244321}">
+                <p14:modId xmlns:p14="http://schemas.microsoft.com/office/powerpoint/2010/main" val="2109821008"/>
+              </p:ext>
+            </p:extLst>
+          </p:nvPr>
+        </p:nvGraphicFramePr>
+        <p:xfrm>
+          <a:off x="646111" y="4172996"/>
+          <a:ext cx="11160877" cy="370840"/>
+        </p:xfrm>
+        <a:graphic>
+          <a:graphicData uri="http://schemas.openxmlformats.org/drawingml/2006/table">
+            <a:tbl>
+              <a:tblPr firstRow="1" bandRow="1">
+                <a:tableStyleId>{5C22544A-7EE6-4342-B048-85BDC9FD1C3A}</a:tableStyleId>
+              </a:tblPr>
+              <a:tblGrid>
+                <a:gridCol w="1776247">
+                  <a:extLst>
+                    <a:ext uri="{9D8B030D-6E8A-4147-A177-3AD203B41FA5}">
+                      <a16:colId xmlns:a16="http://schemas.microsoft.com/office/drawing/2014/main" val="1392106724"/>
+                    </a:ext>
+                  </a:extLst>
+                </a:gridCol>
+                <a:gridCol w="1412575">
+                  <a:extLst>
+                    <a:ext uri="{9D8B030D-6E8A-4147-A177-3AD203B41FA5}">
+                      <a16:colId xmlns:a16="http://schemas.microsoft.com/office/drawing/2014/main" val="1587462470"/>
+                    </a:ext>
+                  </a:extLst>
+                </a:gridCol>
+                <a:gridCol w="1594411">
+                  <a:extLst>
+                    <a:ext uri="{9D8B030D-6E8A-4147-A177-3AD203B41FA5}">
+                      <a16:colId xmlns:a16="http://schemas.microsoft.com/office/drawing/2014/main" val="4137320095"/>
+                    </a:ext>
+                  </a:extLst>
+                </a:gridCol>
+                <a:gridCol w="1693351">
+                  <a:extLst>
+                    <a:ext uri="{9D8B030D-6E8A-4147-A177-3AD203B41FA5}">
+                      <a16:colId xmlns:a16="http://schemas.microsoft.com/office/drawing/2014/main" val="3100364838"/>
+                    </a:ext>
+                  </a:extLst>
+                </a:gridCol>
+                <a:gridCol w="1989221">
+                  <a:extLst>
+                    <a:ext uri="{9D8B030D-6E8A-4147-A177-3AD203B41FA5}">
+                      <a16:colId xmlns:a16="http://schemas.microsoft.com/office/drawing/2014/main" val="201287870"/>
+                    </a:ext>
+                  </a:extLst>
+                </a:gridCol>
+                <a:gridCol w="1844842">
+                  <a:extLst>
+                    <a:ext uri="{9D8B030D-6E8A-4147-A177-3AD203B41FA5}">
+                      <a16:colId xmlns:a16="http://schemas.microsoft.com/office/drawing/2014/main" val="1396216103"/>
+                    </a:ext>
+                  </a:extLst>
+                </a:gridCol>
+                <a:gridCol w="850230">
+                  <a:extLst>
+                    <a:ext uri="{9D8B030D-6E8A-4147-A177-3AD203B41FA5}">
+                      <a16:colId xmlns:a16="http://schemas.microsoft.com/office/drawing/2014/main" val="948724890"/>
+                    </a:ext>
+                  </a:extLst>
+                </a:gridCol>
+              </a:tblGrid>
+              <a:tr h="370840">
+                <a:tc>
+                  <a:txBody>
+                    <a:bodyPr/>
+                    <a:lstStyle/>
+                    <a:p>
+                      <a:r>
+                        <a:rPr lang="es-MX" dirty="0"/>
+                        <a:t>TOTAL</a:t>
+                      </a:r>
+                      <a:endParaRPr lang="es-CO" dirty="0"/>
+                    </a:p>
+                  </a:txBody>
+                  <a:tcPr/>
+                </a:tc>
+                <a:tc>
+                  <a:txBody>
+                    <a:bodyPr/>
+                    <a:lstStyle/>
+                    <a:p>
+                      <a:r>
+                        <a:rPr lang="es-MX" dirty="0"/>
+                        <a:t>21</a:t>
+                      </a:r>
+                      <a:endParaRPr lang="es-CO" dirty="0"/>
+                    </a:p>
+                  </a:txBody>
+                  <a:tcPr/>
+                </a:tc>
+                <a:tc>
+                  <a:txBody>
+                    <a:bodyPr/>
+                    <a:lstStyle/>
+                    <a:p>
+                      <a:r>
+                        <a:rPr lang="es-MX" dirty="0"/>
+                        <a:t>21</a:t>
+                      </a:r>
+                      <a:endParaRPr lang="es-CO" dirty="0"/>
+                    </a:p>
+                  </a:txBody>
+                  <a:tcPr/>
+                </a:tc>
+                <a:tc>
+                  <a:txBody>
+                    <a:bodyPr/>
+                    <a:lstStyle/>
+                    <a:p>
+                      <a:r>
+                        <a:rPr lang="es-MX" dirty="0"/>
+                        <a:t>19</a:t>
+                      </a:r>
+                      <a:endParaRPr lang="es-CO" dirty="0"/>
+                    </a:p>
+                  </a:txBody>
+                  <a:tcPr/>
+                </a:tc>
+                <a:tc>
+                  <a:txBody>
+                    <a:bodyPr/>
+                    <a:lstStyle/>
+                    <a:p>
+                      <a:r>
+                        <a:rPr lang="es-MX" dirty="0"/>
+                        <a:t>19</a:t>
+                      </a:r>
+                      <a:endParaRPr lang="es-CO" dirty="0"/>
+                    </a:p>
+                  </a:txBody>
+                  <a:tcPr/>
+                </a:tc>
+                <a:tc>
+                  <a:txBody>
+                    <a:bodyPr/>
+                    <a:lstStyle/>
+                    <a:p>
+                      <a:r>
+                        <a:rPr lang="es-MX" dirty="0"/>
+                        <a:t>20</a:t>
+                      </a:r>
+                      <a:endParaRPr lang="es-CO" dirty="0"/>
+                    </a:p>
+                  </a:txBody>
+                  <a:tcPr/>
+                </a:tc>
+                <a:tc>
+                  <a:txBody>
+                    <a:bodyPr/>
+                    <a:lstStyle/>
+                    <a:p>
+                      <a:r>
+                        <a:rPr lang="es-MX" dirty="0"/>
+                        <a:t>100</a:t>
+                      </a:r>
+                      <a:endParaRPr lang="es-CO" dirty="0"/>
+                    </a:p>
+                  </a:txBody>
+                  <a:tcPr/>
+                </a:tc>
+                <a:extLst>
+                  <a:ext uri="{0D108BD9-81ED-4DB2-BD59-A6C34878D82A}">
+                    <a16:rowId xmlns:a16="http://schemas.microsoft.com/office/drawing/2014/main" val="1603722930"/>
                   </a:ext>
                 </a:extLst>
               </a:tr>
